--- a/MadeaPresentation_1.pptx
+++ b/MadeaPresentation_1.pptx
@@ -6,17 +6,8 @@
   </p:sldMasterIdLst>
   <p:sldIdLst>
     <p:sldId id="256" r:id="rId2"/>
-    <p:sldId id="257" r:id="rId3"/>
-    <p:sldId id="258" r:id="rId4"/>
-    <p:sldId id="259" r:id="rId5"/>
-    <p:sldId id="260" r:id="rId6"/>
-    <p:sldId id="261" r:id="rId7"/>
-    <p:sldId id="262" r:id="rId8"/>
-    <p:sldId id="263" r:id="rId9"/>
-    <p:sldId id="264" r:id="rId10"/>
-    <p:sldId id="265" r:id="rId11"/>
-    <p:sldId id="266" r:id="rId12"/>
-    <p:sldId id="267" r:id="rId13"/>
+    <p:sldId id="268" r:id="rId3"/>
+    <p:sldId id="269" r:id="rId4"/>
   </p:sldIdLst>
   <p:sldSz cx="12192000" cy="6858000"/>
   <p:notesSz cx="6858000" cy="9144000"/>
@@ -115,6 +106,11 @@
       </a:defRPr>
     </a:lvl9pPr>
   </p:defaultTextStyle>
+  <p:extLst>
+    <p:ext uri="{EFAFB233-063F-42B5-8137-9DF3F51BA10A}">
+      <p15:sldGuideLst xmlns:p15="http://schemas.microsoft.com/office/powerpoint/2012/main"/>
+    </p:ext>
+  </p:extLst>
 </p:presentation>
 </file>
 
@@ -160,7 +156,7 @@
           </a:lstStyle>
           <a:p>
             <a:r>
-              <a:rPr lang="en-US" smtClean="0"/>
+              <a:rPr lang="en-US"/>
               <a:t>Click to edit Master title style</a:t>
             </a:r>
             <a:endParaRPr lang="en-US" dirty="0"/>
@@ -280,7 +276,7 @@
           </a:lstStyle>
           <a:p>
             <a:r>
-              <a:rPr lang="en-US" smtClean="0"/>
+              <a:rPr lang="en-US"/>
               <a:t>Click to edit Master subtitle style</a:t>
             </a:r>
             <a:endParaRPr lang="en-US" dirty="0"/>
@@ -304,7 +300,7 @@
           <a:p>
             <a:fld id="{34AF5E9A-FF1A-41E9-AEFA-6F9ECB56B989}" type="datetimeFigureOut">
               <a:rPr lang="en-IN" smtClean="0"/>
-              <a:t>10-11-2019</a:t>
+              <a:t>17-12-2019</a:t>
             </a:fld>
             <a:endParaRPr lang="en-IN"/>
           </a:p>
@@ -409,7 +405,7 @@
           </a:lstStyle>
           <a:p>
             <a:r>
-              <a:rPr lang="en-US" smtClean="0"/>
+              <a:rPr lang="en-US"/>
               <a:t>Click to edit Master title style</a:t>
             </a:r>
             <a:endParaRPr lang="en-US" dirty="0"/>
@@ -488,7 +484,7 @@
           </a:lstStyle>
           <a:p>
             <a:r>
-              <a:rPr lang="en-US" smtClean="0"/>
+              <a:rPr lang="en-US"/>
               <a:t>Click icon to add picture</a:t>
             </a:r>
             <a:endParaRPr lang="en-US" dirty="0"/>
@@ -556,7 +552,7 @@
           <a:p>
             <a:pPr lvl="0"/>
             <a:r>
-              <a:rPr lang="en-US" smtClean="0"/>
+              <a:rPr lang="en-US"/>
               <a:t>Edit Master text styles</a:t>
             </a:r>
           </a:p>
@@ -579,7 +575,7 @@
           <a:p>
             <a:fld id="{34AF5E9A-FF1A-41E9-AEFA-6F9ECB56B989}" type="datetimeFigureOut">
               <a:rPr lang="en-IN" smtClean="0"/>
-              <a:t>10-11-2019</a:t>
+              <a:t>17-12-2019</a:t>
             </a:fld>
             <a:endParaRPr lang="en-IN"/>
           </a:p>
@@ -682,7 +678,7 @@
           </a:lstStyle>
           <a:p>
             <a:r>
-              <a:rPr lang="en-US" smtClean="0"/>
+              <a:rPr lang="en-US"/>
               <a:t>Click to edit Master title style</a:t>
             </a:r>
             <a:endParaRPr lang="en-US" dirty="0"/>
@@ -750,7 +746,7 @@
           <a:p>
             <a:pPr lvl="0"/>
             <a:r>
-              <a:rPr lang="en-US" smtClean="0"/>
+              <a:rPr lang="en-US"/>
               <a:t>Edit Master text styles</a:t>
             </a:r>
           </a:p>
@@ -773,7 +769,7 @@
           <a:p>
             <a:fld id="{34AF5E9A-FF1A-41E9-AEFA-6F9ECB56B989}" type="datetimeFigureOut">
               <a:rPr lang="en-IN" smtClean="0"/>
-              <a:t>10-11-2019</a:t>
+              <a:t>17-12-2019</a:t>
             </a:fld>
             <a:endParaRPr lang="en-IN"/>
           </a:p>
@@ -876,7 +872,7 @@
           </a:lstStyle>
           <a:p>
             <a:r>
-              <a:rPr lang="en-US" smtClean="0"/>
+              <a:rPr lang="en-US"/>
               <a:t>Click to edit Master title style</a:t>
             </a:r>
             <a:endParaRPr lang="en-US" dirty="0"/>
@@ -956,7 +952,7 @@
               <a:buNone/>
             </a:pPr>
             <a:r>
-              <a:rPr lang="en-US" smtClean="0"/>
+              <a:rPr lang="en-US"/>
               <a:t>Edit Master text styles</a:t>
             </a:r>
           </a:p>
@@ -1023,7 +1019,7 @@
           <a:p>
             <a:pPr lvl="0"/>
             <a:r>
-              <a:rPr lang="en-US" smtClean="0"/>
+              <a:rPr lang="en-US"/>
               <a:t>Edit Master text styles</a:t>
             </a:r>
           </a:p>
@@ -1046,7 +1042,7 @@
           <a:p>
             <a:fld id="{34AF5E9A-FF1A-41E9-AEFA-6F9ECB56B989}" type="datetimeFigureOut">
               <a:rPr lang="en-IN" smtClean="0"/>
-              <a:t>10-11-2019</a:t>
+              <a:t>17-12-2019</a:t>
             </a:fld>
             <a:endParaRPr lang="en-IN"/>
           </a:p>
@@ -1243,7 +1239,7 @@
           </a:lstStyle>
           <a:p>
             <a:r>
-              <a:rPr lang="en-US" smtClean="0"/>
+              <a:rPr lang="en-US"/>
               <a:t>Click to edit Master title style</a:t>
             </a:r>
             <a:endParaRPr lang="en-US" dirty="0"/>
@@ -1364,7 +1360,7 @@
           <a:p>
             <a:pPr lvl="0"/>
             <a:r>
-              <a:rPr lang="en-US" smtClean="0"/>
+              <a:rPr lang="en-US"/>
               <a:t>Edit Master text styles</a:t>
             </a:r>
           </a:p>
@@ -1387,7 +1383,7 @@
           <a:p>
             <a:fld id="{34AF5E9A-FF1A-41E9-AEFA-6F9ECB56B989}" type="datetimeFigureOut">
               <a:rPr lang="en-IN" smtClean="0"/>
-              <a:t>10-11-2019</a:t>
+              <a:t>17-12-2019</a:t>
             </a:fld>
             <a:endParaRPr lang="en-IN"/>
           </a:p>
@@ -1485,7 +1481,7 @@
           </a:lstStyle>
           <a:p>
             <a:r>
-              <a:rPr lang="en-US" smtClean="0"/>
+              <a:rPr lang="en-US"/>
               <a:t>Click to edit Master title style</a:t>
             </a:r>
             <a:endParaRPr lang="en-US" dirty="0"/>
@@ -1560,7 +1556,7 @@
           <a:p>
             <a:pPr lvl="0"/>
             <a:r>
-              <a:rPr lang="en-US" smtClean="0"/>
+              <a:rPr lang="en-US"/>
               <a:t>Edit Master text styles</a:t>
             </a:r>
           </a:p>
@@ -1627,7 +1623,7 @@
           <a:p>
             <a:pPr lvl="0"/>
             <a:r>
-              <a:rPr lang="en-US" smtClean="0"/>
+              <a:rPr lang="en-US"/>
               <a:t>Edit Master text styles</a:t>
             </a:r>
           </a:p>
@@ -1701,7 +1697,7 @@
           <a:p>
             <a:pPr lvl="0"/>
             <a:r>
-              <a:rPr lang="en-US" smtClean="0"/>
+              <a:rPr lang="en-US"/>
               <a:t>Edit Master text styles</a:t>
             </a:r>
           </a:p>
@@ -1768,7 +1764,7 @@
           <a:p>
             <a:pPr lvl="0"/>
             <a:r>
-              <a:rPr lang="en-US" smtClean="0"/>
+              <a:rPr lang="en-US"/>
               <a:t>Edit Master text styles</a:t>
             </a:r>
           </a:p>
@@ -1842,7 +1838,7 @@
           <a:p>
             <a:pPr lvl="0"/>
             <a:r>
-              <a:rPr lang="en-US" smtClean="0"/>
+              <a:rPr lang="en-US"/>
               <a:t>Edit Master text styles</a:t>
             </a:r>
           </a:p>
@@ -1909,7 +1905,7 @@
           <a:p>
             <a:pPr lvl="0"/>
             <a:r>
-              <a:rPr lang="en-US" smtClean="0"/>
+              <a:rPr lang="en-US"/>
               <a:t>Edit Master text styles</a:t>
             </a:r>
           </a:p>
@@ -2010,7 +2006,7 @@
           <a:p>
             <a:fld id="{34AF5E9A-FF1A-41E9-AEFA-6F9ECB56B989}" type="datetimeFigureOut">
               <a:rPr lang="en-IN" smtClean="0"/>
-              <a:t>10-11-2019</a:t>
+              <a:t>17-12-2019</a:t>
             </a:fld>
             <a:endParaRPr lang="en-IN"/>
           </a:p>
@@ -2108,7 +2104,7 @@
           </a:lstStyle>
           <a:p>
             <a:r>
-              <a:rPr lang="en-US" smtClean="0"/>
+              <a:rPr lang="en-US"/>
               <a:t>Click to edit Master title style</a:t>
             </a:r>
             <a:endParaRPr lang="en-US" dirty="0"/>
@@ -2183,7 +2179,7 @@
           <a:p>
             <a:pPr lvl="0"/>
             <a:r>
-              <a:rPr lang="en-US" smtClean="0"/>
+              <a:rPr lang="en-US"/>
               <a:t>Edit Master text styles</a:t>
             </a:r>
           </a:p>
@@ -2261,7 +2257,7 @@
           </a:lstStyle>
           <a:p>
             <a:r>
-              <a:rPr lang="en-US" smtClean="0"/>
+              <a:rPr lang="en-US"/>
               <a:t>Click icon to add picture</a:t>
             </a:r>
             <a:endParaRPr lang="en-US" dirty="0"/>
@@ -2329,7 +2325,7 @@
           <a:p>
             <a:pPr lvl="0"/>
             <a:r>
-              <a:rPr lang="en-US" smtClean="0"/>
+              <a:rPr lang="en-US"/>
               <a:t>Edit Master text styles</a:t>
             </a:r>
           </a:p>
@@ -2403,7 +2399,7 @@
           <a:p>
             <a:pPr lvl="0"/>
             <a:r>
-              <a:rPr lang="en-US" smtClean="0"/>
+              <a:rPr lang="en-US"/>
               <a:t>Edit Master text styles</a:t>
             </a:r>
           </a:p>
@@ -2481,7 +2477,7 @@
           </a:lstStyle>
           <a:p>
             <a:r>
-              <a:rPr lang="en-US" smtClean="0"/>
+              <a:rPr lang="en-US"/>
               <a:t>Click icon to add picture</a:t>
             </a:r>
             <a:endParaRPr lang="en-US" dirty="0"/>
@@ -2549,7 +2545,7 @@
           <a:p>
             <a:pPr lvl="0"/>
             <a:r>
-              <a:rPr lang="en-US" smtClean="0"/>
+              <a:rPr lang="en-US"/>
               <a:t>Edit Master text styles</a:t>
             </a:r>
           </a:p>
@@ -2623,7 +2619,7 @@
           <a:p>
             <a:pPr lvl="0"/>
             <a:r>
-              <a:rPr lang="en-US" smtClean="0"/>
+              <a:rPr lang="en-US"/>
               <a:t>Edit Master text styles</a:t>
             </a:r>
           </a:p>
@@ -2701,7 +2697,7 @@
           </a:lstStyle>
           <a:p>
             <a:r>
-              <a:rPr lang="en-US" smtClean="0"/>
+              <a:rPr lang="en-US"/>
               <a:t>Click icon to add picture</a:t>
             </a:r>
             <a:endParaRPr lang="en-US" dirty="0"/>
@@ -2769,7 +2765,7 @@
           <a:p>
             <a:pPr lvl="0"/>
             <a:r>
-              <a:rPr lang="en-US" smtClean="0"/>
+              <a:rPr lang="en-US"/>
               <a:t>Edit Master text styles</a:t>
             </a:r>
           </a:p>
@@ -2870,7 +2866,7 @@
           <a:p>
             <a:fld id="{34AF5E9A-FF1A-41E9-AEFA-6F9ECB56B989}" type="datetimeFigureOut">
               <a:rPr lang="en-IN" smtClean="0"/>
-              <a:t>10-11-2019</a:t>
+              <a:t>17-12-2019</a:t>
             </a:fld>
             <a:endParaRPr lang="en-IN"/>
           </a:p>
@@ -2964,7 +2960,7 @@
           <a:lstStyle/>
           <a:p>
             <a:r>
-              <a:rPr lang="en-US" smtClean="0"/>
+              <a:rPr lang="en-US"/>
               <a:t>Click to edit Master title style</a:t>
             </a:r>
             <a:endParaRPr lang="en-US" dirty="0"/>
@@ -2988,35 +2984,35 @@
           <a:p>
             <a:pPr lvl="0"/>
             <a:r>
-              <a:rPr lang="en-US" smtClean="0"/>
+              <a:rPr lang="en-US"/>
               <a:t>Edit Master text styles</a:t>
             </a:r>
           </a:p>
           <a:p>
             <a:pPr lvl="1"/>
             <a:r>
-              <a:rPr lang="en-US" smtClean="0"/>
+              <a:rPr lang="en-US"/>
               <a:t>Second level</a:t>
             </a:r>
           </a:p>
           <a:p>
             <a:pPr lvl="2"/>
             <a:r>
-              <a:rPr lang="en-US" smtClean="0"/>
+              <a:rPr lang="en-US"/>
               <a:t>Third level</a:t>
             </a:r>
           </a:p>
           <a:p>
             <a:pPr lvl="3"/>
             <a:r>
-              <a:rPr lang="en-US" smtClean="0"/>
+              <a:rPr lang="en-US"/>
               <a:t>Fourth level</a:t>
             </a:r>
           </a:p>
           <a:p>
             <a:pPr lvl="4"/>
             <a:r>
-              <a:rPr lang="en-US" smtClean="0"/>
+              <a:rPr lang="en-US"/>
               <a:t>Fifth level</a:t>
             </a:r>
             <a:endParaRPr lang="en-US" dirty="0"/>
@@ -3040,7 +3036,7 @@
           <a:p>
             <a:fld id="{34AF5E9A-FF1A-41E9-AEFA-6F9ECB56B989}" type="datetimeFigureOut">
               <a:rPr lang="en-IN" smtClean="0"/>
-              <a:t>10-11-2019</a:t>
+              <a:t>17-12-2019</a:t>
             </a:fld>
             <a:endParaRPr lang="en-IN"/>
           </a:p>
@@ -3139,7 +3135,7 @@
           <a:lstStyle/>
           <a:p>
             <a:r>
-              <a:rPr lang="en-US" smtClean="0"/>
+              <a:rPr lang="en-US"/>
               <a:t>Click to edit Master title style</a:t>
             </a:r>
             <a:endParaRPr lang="en-US" dirty="0"/>
@@ -3168,35 +3164,35 @@
           <a:p>
             <a:pPr lvl="0"/>
             <a:r>
-              <a:rPr lang="en-US" smtClean="0"/>
+              <a:rPr lang="en-US"/>
               <a:t>Edit Master text styles</a:t>
             </a:r>
           </a:p>
           <a:p>
             <a:pPr lvl="1"/>
             <a:r>
-              <a:rPr lang="en-US" smtClean="0"/>
+              <a:rPr lang="en-US"/>
               <a:t>Second level</a:t>
             </a:r>
           </a:p>
           <a:p>
             <a:pPr lvl="2"/>
             <a:r>
-              <a:rPr lang="en-US" smtClean="0"/>
+              <a:rPr lang="en-US"/>
               <a:t>Third level</a:t>
             </a:r>
           </a:p>
           <a:p>
             <a:pPr lvl="3"/>
             <a:r>
-              <a:rPr lang="en-US" smtClean="0"/>
+              <a:rPr lang="en-US"/>
               <a:t>Fourth level</a:t>
             </a:r>
           </a:p>
           <a:p>
             <a:pPr lvl="4"/>
             <a:r>
-              <a:rPr lang="en-US" smtClean="0"/>
+              <a:rPr lang="en-US"/>
               <a:t>Fifth level</a:t>
             </a:r>
             <a:endParaRPr lang="en-US" dirty="0"/>
@@ -3220,7 +3216,7 @@
           <a:p>
             <a:fld id="{34AF5E9A-FF1A-41E9-AEFA-6F9ECB56B989}" type="datetimeFigureOut">
               <a:rPr lang="en-IN" smtClean="0"/>
-              <a:t>10-11-2019</a:t>
+              <a:t>17-12-2019</a:t>
             </a:fld>
             <a:endParaRPr lang="en-IN"/>
           </a:p>
@@ -3314,7 +3310,7 @@
           <a:lstStyle/>
           <a:p>
             <a:r>
-              <a:rPr lang="en-US" smtClean="0"/>
+              <a:rPr lang="en-US"/>
               <a:t>Click to edit Master title style</a:t>
             </a:r>
             <a:endParaRPr lang="en-US" dirty="0"/>
@@ -3338,35 +3334,35 @@
           <a:p>
             <a:pPr lvl="0"/>
             <a:r>
-              <a:rPr lang="en-US" smtClean="0"/>
+              <a:rPr lang="en-US"/>
               <a:t>Edit Master text styles</a:t>
             </a:r>
           </a:p>
           <a:p>
             <a:pPr lvl="1"/>
             <a:r>
-              <a:rPr lang="en-US" smtClean="0"/>
+              <a:rPr lang="en-US"/>
               <a:t>Second level</a:t>
             </a:r>
           </a:p>
           <a:p>
             <a:pPr lvl="2"/>
             <a:r>
-              <a:rPr lang="en-US" smtClean="0"/>
+              <a:rPr lang="en-US"/>
               <a:t>Third level</a:t>
             </a:r>
           </a:p>
           <a:p>
             <a:pPr lvl="3"/>
             <a:r>
-              <a:rPr lang="en-US" smtClean="0"/>
+              <a:rPr lang="en-US"/>
               <a:t>Fourth level</a:t>
             </a:r>
           </a:p>
           <a:p>
             <a:pPr lvl="4"/>
             <a:r>
-              <a:rPr lang="en-US" smtClean="0"/>
+              <a:rPr lang="en-US"/>
               <a:t>Fifth level</a:t>
             </a:r>
             <a:endParaRPr lang="en-US" dirty="0"/>
@@ -3390,7 +3386,7 @@
           <a:p>
             <a:fld id="{34AF5E9A-FF1A-41E9-AEFA-6F9ECB56B989}" type="datetimeFigureOut">
               <a:rPr lang="en-IN" smtClean="0"/>
-              <a:t>10-11-2019</a:t>
+              <a:t>17-12-2019</a:t>
             </a:fld>
             <a:endParaRPr lang="en-IN"/>
           </a:p>
@@ -3493,7 +3489,7 @@
           </a:lstStyle>
           <a:p>
             <a:r>
-              <a:rPr lang="en-US" smtClean="0"/>
+              <a:rPr lang="en-US"/>
               <a:t>Click to edit Master title style</a:t>
             </a:r>
             <a:endParaRPr lang="en-US" dirty="0"/>
@@ -3614,7 +3610,7 @@
           <a:p>
             <a:pPr lvl="0"/>
             <a:r>
-              <a:rPr lang="en-US" smtClean="0"/>
+              <a:rPr lang="en-US"/>
               <a:t>Edit Master text styles</a:t>
             </a:r>
           </a:p>
@@ -3637,7 +3633,7 @@
           <a:p>
             <a:fld id="{34AF5E9A-FF1A-41E9-AEFA-6F9ECB56B989}" type="datetimeFigureOut">
               <a:rPr lang="en-IN" smtClean="0"/>
-              <a:t>10-11-2019</a:t>
+              <a:t>17-12-2019</a:t>
             </a:fld>
             <a:endParaRPr lang="en-IN"/>
           </a:p>
@@ -3731,7 +3727,7 @@
           <a:lstStyle/>
           <a:p>
             <a:r>
-              <a:rPr lang="en-US" smtClean="0"/>
+              <a:rPr lang="en-US"/>
               <a:t>Click to edit Master title style</a:t>
             </a:r>
             <a:endParaRPr lang="en-US" dirty="0"/>
@@ -3790,35 +3786,35 @@
           <a:p>
             <a:pPr lvl="0"/>
             <a:r>
-              <a:rPr lang="en-US" smtClean="0"/>
+              <a:rPr lang="en-US"/>
               <a:t>Edit Master text styles</a:t>
             </a:r>
           </a:p>
           <a:p>
             <a:pPr lvl="1"/>
             <a:r>
-              <a:rPr lang="en-US" smtClean="0"/>
+              <a:rPr lang="en-US"/>
               <a:t>Second level</a:t>
             </a:r>
           </a:p>
           <a:p>
             <a:pPr lvl="2"/>
             <a:r>
-              <a:rPr lang="en-US" smtClean="0"/>
+              <a:rPr lang="en-US"/>
               <a:t>Third level</a:t>
             </a:r>
           </a:p>
           <a:p>
             <a:pPr lvl="3"/>
             <a:r>
-              <a:rPr lang="en-US" smtClean="0"/>
+              <a:rPr lang="en-US"/>
               <a:t>Fourth level</a:t>
             </a:r>
           </a:p>
           <a:p>
             <a:pPr lvl="4"/>
             <a:r>
-              <a:rPr lang="en-US" smtClean="0"/>
+              <a:rPr lang="en-US"/>
               <a:t>Fifth level</a:t>
             </a:r>
             <a:endParaRPr lang="en-US" dirty="0"/>
@@ -3877,35 +3873,35 @@
           <a:p>
             <a:pPr lvl="0"/>
             <a:r>
-              <a:rPr lang="en-US" smtClean="0"/>
+              <a:rPr lang="en-US"/>
               <a:t>Edit Master text styles</a:t>
             </a:r>
           </a:p>
           <a:p>
             <a:pPr lvl="1"/>
             <a:r>
-              <a:rPr lang="en-US" smtClean="0"/>
+              <a:rPr lang="en-US"/>
               <a:t>Second level</a:t>
             </a:r>
           </a:p>
           <a:p>
             <a:pPr lvl="2"/>
             <a:r>
-              <a:rPr lang="en-US" smtClean="0"/>
+              <a:rPr lang="en-US"/>
               <a:t>Third level</a:t>
             </a:r>
           </a:p>
           <a:p>
             <a:pPr lvl="3"/>
             <a:r>
-              <a:rPr lang="en-US" smtClean="0"/>
+              <a:rPr lang="en-US"/>
               <a:t>Fourth level</a:t>
             </a:r>
           </a:p>
           <a:p>
             <a:pPr lvl="4"/>
             <a:r>
-              <a:rPr lang="en-US" smtClean="0"/>
+              <a:rPr lang="en-US"/>
               <a:t>Fifth level</a:t>
             </a:r>
             <a:endParaRPr lang="en-US" dirty="0"/>
@@ -3929,7 +3925,7 @@
           <a:p>
             <a:fld id="{34AF5E9A-FF1A-41E9-AEFA-6F9ECB56B989}" type="datetimeFigureOut">
               <a:rPr lang="en-IN" smtClean="0"/>
-              <a:t>10-11-2019</a:t>
+              <a:t>17-12-2019</a:t>
             </a:fld>
             <a:endParaRPr lang="en-IN"/>
           </a:p>
@@ -4027,7 +4023,7 @@
           </a:lstStyle>
           <a:p>
             <a:r>
-              <a:rPr lang="en-US" smtClean="0"/>
+              <a:rPr lang="en-US"/>
               <a:t>Click to edit Master title style</a:t>
             </a:r>
             <a:endParaRPr lang="en-US" dirty="0"/>
@@ -4102,7 +4098,7 @@
           <a:p>
             <a:pPr lvl="0"/>
             <a:r>
-              <a:rPr lang="en-US" smtClean="0"/>
+              <a:rPr lang="en-US"/>
               <a:t>Edit Master text styles</a:t>
             </a:r>
           </a:p>
@@ -4160,35 +4156,35 @@
           <a:p>
             <a:pPr lvl="0"/>
             <a:r>
-              <a:rPr lang="en-US" smtClean="0"/>
+              <a:rPr lang="en-US"/>
               <a:t>Edit Master text styles</a:t>
             </a:r>
           </a:p>
           <a:p>
             <a:pPr lvl="1"/>
             <a:r>
-              <a:rPr lang="en-US" smtClean="0"/>
+              <a:rPr lang="en-US"/>
               <a:t>Second level</a:t>
             </a:r>
           </a:p>
           <a:p>
             <a:pPr lvl="2"/>
             <a:r>
-              <a:rPr lang="en-US" smtClean="0"/>
+              <a:rPr lang="en-US"/>
               <a:t>Third level</a:t>
             </a:r>
           </a:p>
           <a:p>
             <a:pPr lvl="3"/>
             <a:r>
-              <a:rPr lang="en-US" smtClean="0"/>
+              <a:rPr lang="en-US"/>
               <a:t>Fourth level</a:t>
             </a:r>
           </a:p>
           <a:p>
             <a:pPr lvl="4"/>
             <a:r>
-              <a:rPr lang="en-US" smtClean="0"/>
+              <a:rPr lang="en-US"/>
               <a:t>Fifth level</a:t>
             </a:r>
             <a:endParaRPr lang="en-US" dirty="0"/>
@@ -4263,7 +4259,7 @@
           <a:p>
             <a:pPr lvl="0"/>
             <a:r>
-              <a:rPr lang="en-US" smtClean="0"/>
+              <a:rPr lang="en-US"/>
               <a:t>Edit Master text styles</a:t>
             </a:r>
           </a:p>
@@ -4321,35 +4317,35 @@
           <a:p>
             <a:pPr lvl="0"/>
             <a:r>
-              <a:rPr lang="en-US" smtClean="0"/>
+              <a:rPr lang="en-US"/>
               <a:t>Edit Master text styles</a:t>
             </a:r>
           </a:p>
           <a:p>
             <a:pPr lvl="1"/>
             <a:r>
-              <a:rPr lang="en-US" smtClean="0"/>
+              <a:rPr lang="en-US"/>
               <a:t>Second level</a:t>
             </a:r>
           </a:p>
           <a:p>
             <a:pPr lvl="2"/>
             <a:r>
-              <a:rPr lang="en-US" smtClean="0"/>
+              <a:rPr lang="en-US"/>
               <a:t>Third level</a:t>
             </a:r>
           </a:p>
           <a:p>
             <a:pPr lvl="3"/>
             <a:r>
-              <a:rPr lang="en-US" smtClean="0"/>
+              <a:rPr lang="en-US"/>
               <a:t>Fourth level</a:t>
             </a:r>
           </a:p>
           <a:p>
             <a:pPr lvl="4"/>
             <a:r>
-              <a:rPr lang="en-US" smtClean="0"/>
+              <a:rPr lang="en-US"/>
               <a:t>Fifth level</a:t>
             </a:r>
             <a:endParaRPr lang="en-US" dirty="0"/>
@@ -4373,7 +4369,7 @@
           <a:p>
             <a:fld id="{34AF5E9A-FF1A-41E9-AEFA-6F9ECB56B989}" type="datetimeFigureOut">
               <a:rPr lang="en-IN" smtClean="0"/>
-              <a:t>10-11-2019</a:t>
+              <a:t>17-12-2019</a:t>
             </a:fld>
             <a:endParaRPr lang="en-IN"/>
           </a:p>
@@ -4467,7 +4463,7 @@
           <a:lstStyle/>
           <a:p>
             <a:r>
-              <a:rPr lang="en-US" smtClean="0"/>
+              <a:rPr lang="en-US"/>
               <a:t>Click to edit Master title style</a:t>
             </a:r>
             <a:endParaRPr lang="en-US" dirty="0"/>
@@ -4491,7 +4487,7 @@
           <a:p>
             <a:fld id="{34AF5E9A-FF1A-41E9-AEFA-6F9ECB56B989}" type="datetimeFigureOut">
               <a:rPr lang="en-IN" smtClean="0"/>
-              <a:t>10-11-2019</a:t>
+              <a:t>17-12-2019</a:t>
             </a:fld>
             <a:endParaRPr lang="en-IN"/>
           </a:p>
@@ -4586,7 +4582,7 @@
           <a:p>
             <a:fld id="{34AF5E9A-FF1A-41E9-AEFA-6F9ECB56B989}" type="datetimeFigureOut">
               <a:rPr lang="en-IN" smtClean="0"/>
-              <a:t>10-11-2019</a:t>
+              <a:t>17-12-2019</a:t>
             </a:fld>
             <a:endParaRPr lang="en-IN"/>
           </a:p>
@@ -4689,7 +4685,7 @@
           </a:lstStyle>
           <a:p>
             <a:r>
-              <a:rPr lang="en-US" smtClean="0"/>
+              <a:rPr lang="en-US"/>
               <a:t>Click to edit Master title style</a:t>
             </a:r>
             <a:endParaRPr lang="en-US" dirty="0"/>
@@ -4748,35 +4744,35 @@
           <a:p>
             <a:pPr lvl="0"/>
             <a:r>
-              <a:rPr lang="en-US" smtClean="0"/>
+              <a:rPr lang="en-US"/>
               <a:t>Edit Master text styles</a:t>
             </a:r>
           </a:p>
           <a:p>
             <a:pPr lvl="1"/>
             <a:r>
-              <a:rPr lang="en-US" smtClean="0"/>
+              <a:rPr lang="en-US"/>
               <a:t>Second level</a:t>
             </a:r>
           </a:p>
           <a:p>
             <a:pPr lvl="2"/>
             <a:r>
-              <a:rPr lang="en-US" smtClean="0"/>
+              <a:rPr lang="en-US"/>
               <a:t>Third level</a:t>
             </a:r>
           </a:p>
           <a:p>
             <a:pPr lvl="3"/>
             <a:r>
-              <a:rPr lang="en-US" smtClean="0"/>
+              <a:rPr lang="en-US"/>
               <a:t>Fourth level</a:t>
             </a:r>
           </a:p>
           <a:p>
             <a:pPr lvl="4"/>
             <a:r>
-              <a:rPr lang="en-US" smtClean="0"/>
+              <a:rPr lang="en-US"/>
               <a:t>Fifth level</a:t>
             </a:r>
             <a:endParaRPr lang="en-US" dirty="0"/>
@@ -4842,7 +4838,7 @@
           <a:p>
             <a:pPr lvl="0"/>
             <a:r>
-              <a:rPr lang="en-US" smtClean="0"/>
+              <a:rPr lang="en-US"/>
               <a:t>Edit Master text styles</a:t>
             </a:r>
           </a:p>
@@ -4865,7 +4861,7 @@
           <a:p>
             <a:fld id="{34AF5E9A-FF1A-41E9-AEFA-6F9ECB56B989}" type="datetimeFigureOut">
               <a:rPr lang="en-IN" smtClean="0"/>
-              <a:t>10-11-2019</a:t>
+              <a:t>17-12-2019</a:t>
             </a:fld>
             <a:endParaRPr lang="en-IN"/>
           </a:p>
@@ -4970,7 +4966,7 @@
           </a:lstStyle>
           <a:p>
             <a:r>
-              <a:rPr lang="en-US" smtClean="0"/>
+              <a:rPr lang="en-US"/>
               <a:t>Click to edit Master title style</a:t>
             </a:r>
             <a:endParaRPr lang="en-US" dirty="0"/>
@@ -5049,7 +5045,7 @@
           </a:lstStyle>
           <a:p>
             <a:r>
-              <a:rPr lang="en-US" smtClean="0"/>
+              <a:rPr lang="en-US"/>
               <a:t>Click icon to add picture</a:t>
             </a:r>
             <a:endParaRPr lang="en-US" dirty="0"/>
@@ -5117,7 +5113,7 @@
           <a:p>
             <a:pPr lvl="0"/>
             <a:r>
-              <a:rPr lang="en-US" smtClean="0"/>
+              <a:rPr lang="en-US"/>
               <a:t>Edit Master text styles</a:t>
             </a:r>
           </a:p>
@@ -5140,7 +5136,7 @@
           <a:p>
             <a:fld id="{34AF5E9A-FF1A-41E9-AEFA-6F9ECB56B989}" type="datetimeFigureOut">
               <a:rPr lang="en-IN" smtClean="0"/>
-              <a:t>10-11-2019</a:t>
+              <a:t>17-12-2019</a:t>
             </a:fld>
             <a:endParaRPr lang="en-IN"/>
           </a:p>
@@ -5464,7 +5460,7 @@
           <a:lstStyle/>
           <a:p>
             <a:r>
-              <a:rPr lang="en-US" smtClean="0"/>
+              <a:rPr lang="en-US"/>
               <a:t>Click to edit Master title style</a:t>
             </a:r>
             <a:endParaRPr lang="en-US" dirty="0"/>
@@ -5498,35 +5494,35 @@
           <a:p>
             <a:pPr lvl="0"/>
             <a:r>
-              <a:rPr lang="en-US" smtClean="0"/>
+              <a:rPr lang="en-US"/>
               <a:t>Edit Master text styles</a:t>
             </a:r>
           </a:p>
           <a:p>
             <a:pPr lvl="1"/>
             <a:r>
-              <a:rPr lang="en-US" smtClean="0"/>
+              <a:rPr lang="en-US"/>
               <a:t>Second level</a:t>
             </a:r>
           </a:p>
           <a:p>
             <a:pPr lvl="2"/>
             <a:r>
-              <a:rPr lang="en-US" smtClean="0"/>
+              <a:rPr lang="en-US"/>
               <a:t>Third level</a:t>
             </a:r>
           </a:p>
           <a:p>
             <a:pPr lvl="3"/>
             <a:r>
-              <a:rPr lang="en-US" smtClean="0"/>
+              <a:rPr lang="en-US"/>
               <a:t>Fourth level</a:t>
             </a:r>
           </a:p>
           <a:p>
             <a:pPr lvl="4"/>
             <a:r>
-              <a:rPr lang="en-US" smtClean="0"/>
+              <a:rPr lang="en-US"/>
               <a:t>Fifth level</a:t>
             </a:r>
             <a:endParaRPr lang="en-US" dirty="0"/>
@@ -5569,7 +5565,7 @@
           <a:p>
             <a:fld id="{34AF5E9A-FF1A-41E9-AEFA-6F9ECB56B989}" type="datetimeFigureOut">
               <a:rPr lang="en-IN" smtClean="0"/>
-              <a:t>10-11-2019</a:t>
+              <a:t>17-12-2019</a:t>
             </a:fld>
             <a:endParaRPr lang="en-IN"/>
           </a:p>
@@ -6083,6 +6079,19 @@
 <file path=ppt/slides/slide1.xml><?xml version="1.0" encoding="utf-8"?>
 <p:sld xmlns:a="http://schemas.openxmlformats.org/drawingml/2006/main" xmlns:r="http://schemas.openxmlformats.org/officeDocument/2006/relationships" xmlns:p="http://schemas.openxmlformats.org/presentationml/2006/main">
   <p:cSld>
+    <p:bg>
+      <p:bgPr>
+        <a:pattFill prst="pct5">
+          <a:fgClr>
+            <a:schemeClr val="accent2"/>
+          </a:fgClr>
+          <a:bgClr>
+            <a:schemeClr val="tx1"/>
+          </a:bgClr>
+        </a:pattFill>
+        <a:effectLst/>
+      </p:bgPr>
+    </p:bg>
     <p:spTree>
       <p:nvGrpSpPr>
         <p:cNvPr id="1" name=""/>
@@ -6107,16 +6116,25 @@
             <p:ph type="ctrTitle"/>
           </p:nvPr>
         </p:nvSpPr>
-        <p:spPr/>
+        <p:spPr>
+          <a:xfrm>
+            <a:off x="1926480" y="1494684"/>
+            <a:ext cx="6245970" cy="1495425"/>
+          </a:xfrm>
+        </p:spPr>
         <p:txBody>
           <a:bodyPr/>
           <a:lstStyle/>
           <a:p>
-            <a:r>
-              <a:rPr lang="en-IN" dirty="0" smtClean="0"/>
-              <a:t>Madea</a:t>
-            </a:r>
-            <a:endParaRPr lang="en-IN" dirty="0"/>
+            <a:pPr algn="r"/>
+            <a:r>
+              <a:rPr lang="en-IN" dirty="0">
+                <a:solidFill>
+                  <a:schemeClr val="accent1"/>
+                </a:solidFill>
+              </a:rPr>
+              <a:t>  Medea  </a:t>
+            </a:r>
           </a:p>
         </p:txBody>
       </p:sp>
@@ -6132,7 +6150,7 @@
         </p:nvSpPr>
         <p:spPr>
           <a:xfrm>
-            <a:off x="1154954" y="4777380"/>
+            <a:off x="1545479" y="3429000"/>
             <a:ext cx="9753837" cy="1934316"/>
           </a:xfrm>
         </p:spPr>
@@ -6148,34 +6166,54 @@
               </a:spcBef>
             </a:pPr>
             <a:r>
-              <a:rPr lang="en-IN" dirty="0" smtClean="0"/>
-              <a:t>Progressive WEB APP FOR MEDIA STREAMING </a:t>
+              <a:rPr lang="en-IN" dirty="0">
+                <a:solidFill>
+                  <a:schemeClr val="bg1"/>
+                </a:solidFill>
+              </a:rPr>
+              <a:t>                              Progressive WEB APP FOR MEDIA STREAMING </a:t>
             </a:r>
             <a:br>
-              <a:rPr lang="en-IN" dirty="0" smtClean="0"/>
+              <a:rPr lang="en-IN" dirty="0">
+                <a:solidFill>
+                  <a:schemeClr val="bg1"/>
+                </a:solidFill>
+              </a:rPr>
             </a:br>
-            <a:r>
-              <a:rPr lang="en-IN" dirty="0" smtClean="0"/>
-              <a:t/>
-            </a:r>
             <a:br>
-              <a:rPr lang="en-IN" dirty="0" smtClean="0"/>
+              <a:rPr lang="en-IN" dirty="0">
+                <a:solidFill>
+                  <a:schemeClr val="bg1"/>
+                </a:solidFill>
+              </a:rPr>
             </a:br>
-            <a:r>
-              <a:rPr lang="en-IN" dirty="0" smtClean="0"/>
-              <a:t/>
-            </a:r>
             <a:br>
-              <a:rPr lang="en-IN" dirty="0" smtClean="0"/>
+              <a:rPr lang="en-IN" dirty="0">
+                <a:solidFill>
+                  <a:schemeClr val="bg1"/>
+                </a:solidFill>
+              </a:rPr>
             </a:br>
             <a:r>
-              <a:rPr lang="en-IN" dirty="0" smtClean="0"/>
-              <a:t>Team members : </a:t>
+              <a:rPr lang="en-IN" dirty="0">
+                <a:solidFill>
+                  <a:schemeClr val="bg1"/>
+                </a:solidFill>
+              </a:rPr>
+              <a:t>                                                     Team members : </a:t>
             </a:r>
             <a:br>
-              <a:rPr lang="en-IN" dirty="0" smtClean="0"/>
+              <a:rPr lang="en-IN" dirty="0">
+                <a:solidFill>
+                  <a:schemeClr val="bg1"/>
+                </a:solidFill>
+              </a:rPr>
             </a:br>
-            <a:endParaRPr lang="en-IN" dirty="0" smtClean="0"/>
+            <a:endParaRPr lang="en-IN" dirty="0">
+              <a:solidFill>
+                <a:schemeClr val="bg1"/>
+              </a:solidFill>
+            </a:endParaRPr>
           </a:p>
           <a:p>
             <a:pPr>
@@ -6184,8 +6222,12 @@
               </a:spcBef>
             </a:pPr>
             <a:r>
-              <a:rPr lang="en-IN" dirty="0" smtClean="0"/>
-              <a:t>Amit nautiyal</a:t>
+              <a:rPr lang="en-IN" dirty="0">
+                <a:solidFill>
+                  <a:schemeClr val="bg1"/>
+                </a:solidFill>
+              </a:rPr>
+              <a:t>								Amit nautiyal</a:t>
             </a:r>
           </a:p>
           <a:p>
@@ -6195,10 +6237,29 @@
               </a:spcBef>
             </a:pPr>
             <a:r>
-              <a:rPr lang="en-IN" dirty="0" smtClean="0"/>
-              <a:t>Tarun bhatia</a:t>
-            </a:r>
-            <a:endParaRPr lang="en-IN" dirty="0"/>
+              <a:rPr lang="en-IN" dirty="0">
+                <a:solidFill>
+                  <a:schemeClr val="bg1"/>
+                </a:solidFill>
+              </a:rPr>
+              <a:t>								</a:t>
+            </a:r>
+            <a:r>
+              <a:rPr lang="en-IN" dirty="0" err="1">
+                <a:solidFill>
+                  <a:schemeClr val="bg1"/>
+                </a:solidFill>
+              </a:rPr>
+              <a:t>Tarun</a:t>
+            </a:r>
+            <a:r>
+              <a:rPr lang="en-IN" dirty="0">
+                <a:solidFill>
+                  <a:schemeClr val="bg1"/>
+                </a:solidFill>
+              </a:rPr>
+              <a:t> bhatia</a:t>
+            </a:r>
           </a:p>
         </p:txBody>
       </p:sp>
@@ -6272,19 +6333,25 @@
   <p:clrMapOvr>
     <a:masterClrMapping/>
   </p:clrMapOvr>
-  <p:timing>
-    <p:tnLst>
-      <p:par>
-        <p:cTn id="1" dur="indefinite" restart="never" nodeType="tmRoot"/>
-      </p:par>
-    </p:tnLst>
-  </p:timing>
 </p:sld>
 </file>
 
-<file path=ppt/slides/slide10.xml><?xml version="1.0" encoding="utf-8"?>
+<file path=ppt/slides/slide2.xml><?xml version="1.0" encoding="utf-8"?>
 <p:sld xmlns:a="http://schemas.openxmlformats.org/drawingml/2006/main" xmlns:r="http://schemas.openxmlformats.org/officeDocument/2006/relationships" xmlns:p="http://schemas.openxmlformats.org/presentationml/2006/main">
   <p:cSld>
+    <p:bg>
+      <p:bgPr>
+        <a:pattFill prst="pct5">
+          <a:fgClr>
+            <a:schemeClr val="accent2"/>
+          </a:fgClr>
+          <a:bgClr>
+            <a:schemeClr val="tx1"/>
+          </a:bgClr>
+        </a:pattFill>
+        <a:effectLst/>
+      </p:bgPr>
+    </p:bg>
     <p:spTree>
       <p:nvGrpSpPr>
         <p:cNvPr id="1" name=""/>
@@ -6306,13 +6373,13 @@
             <a:spLocks noGrp="1"/>
           </p:cNvSpPr>
           <p:nvPr>
-            <p:ph type="title"/>
+            <p:ph type="ctrTitle"/>
           </p:nvPr>
         </p:nvSpPr>
         <p:spPr>
           <a:xfrm>
-            <a:off x="646111" y="452718"/>
-            <a:ext cx="9404723" cy="864018"/>
+            <a:off x="573929" y="0"/>
+            <a:ext cx="10144361" cy="1495425"/>
           </a:xfrm>
         </p:spPr>
         <p:txBody>
@@ -6320,211 +6387,35 @@
           <a:lstStyle/>
           <a:p>
             <a:r>
-              <a:rPr lang="en-IN" sz="3600" dirty="0" smtClean="0"/>
-              <a:t>Timeline</a:t>
-            </a:r>
-            <a:endParaRPr lang="en-IN" sz="3600" dirty="0"/>
-          </a:p>
-        </p:txBody>
-      </p:sp>
-      <p:sp>
-        <p:nvSpPr>
-          <p:cNvPr id="3" name="Content Placeholder 2"/>
-          <p:cNvSpPr>
-            <a:spLocks noGrp="1"/>
-          </p:cNvSpPr>
-          <p:nvPr>
-            <p:ph idx="1"/>
+              <a:rPr lang="en-US" sz="4800" dirty="0">
+                <a:solidFill>
+                  <a:schemeClr val="accent1"/>
+                </a:solidFill>
+              </a:rPr>
+              <a:t>Discussed in last event:</a:t>
+            </a:r>
+            <a:endParaRPr lang="en-IN" sz="4800" dirty="0">
+              <a:solidFill>
+                <a:schemeClr val="accent1"/>
+              </a:solidFill>
+            </a:endParaRPr>
+          </a:p>
+        </p:txBody>
+      </p:sp>
+      <p:sp>
+        <p:nvSpPr>
+          <p:cNvPr id="3" name="Subtitle 2"/>
+          <p:cNvSpPr>
+            <a:spLocks noGrp="1"/>
+          </p:cNvSpPr>
+          <p:nvPr>
+            <p:ph type="subTitle" idx="1"/>
           </p:nvPr>
         </p:nvSpPr>
         <p:spPr>
           <a:xfrm>
-            <a:off x="646111" y="1316736"/>
-            <a:ext cx="8946541" cy="4300727"/>
-          </a:xfrm>
-        </p:spPr>
-        <p:txBody>
-          <a:bodyPr>
-            <a:normAutofit fontScale="92500" lnSpcReduction="20000"/>
-          </a:bodyPr>
-          <a:lstStyle/>
-          <a:p>
-            <a:r>
-              <a:rPr lang="en-IN" b="1" dirty="0" smtClean="0"/>
-              <a:t>12-11-2019</a:t>
-            </a:r>
-          </a:p>
-          <a:p>
-            <a:pPr marL="0" indent="0">
-              <a:buNone/>
-            </a:pPr>
-            <a:r>
-              <a:rPr lang="en-IN" dirty="0" smtClean="0"/>
-              <a:t>	The first presentation of the project , basic UX design and approach 	to achieve the goals is presented.</a:t>
-            </a:r>
-          </a:p>
-          <a:p>
-            <a:r>
-              <a:rPr lang="en-IN" b="1" dirty="0" smtClean="0"/>
-              <a:t>17-12-2019</a:t>
-            </a:r>
-          </a:p>
-          <a:p>
-            <a:pPr marL="0" indent="0">
-              <a:buNone/>
-            </a:pPr>
-            <a:r>
-              <a:rPr lang="en-IN" b="1" dirty="0"/>
-              <a:t>	</a:t>
-            </a:r>
-            <a:r>
-              <a:rPr lang="en-IN" dirty="0" smtClean="0"/>
-              <a:t>Halftime presentation , we are expected to built some working 	prototype of the project. Our motive is to build the UI with working 	video streams in the website .</a:t>
-            </a:r>
-          </a:p>
-          <a:p>
-            <a:r>
-              <a:rPr lang="en-IN" b="1" dirty="0" smtClean="0"/>
-              <a:t>04-02-2020</a:t>
-            </a:r>
-          </a:p>
-          <a:p>
-            <a:pPr marL="0" indent="0">
-              <a:buNone/>
-            </a:pPr>
-            <a:r>
-              <a:rPr lang="en-IN" b="1" dirty="0"/>
-              <a:t>	</a:t>
-            </a:r>
-            <a:r>
-              <a:rPr lang="en-IN" dirty="0" smtClean="0"/>
-              <a:t>Final presentation , the project results are to be presented on this 	day, 	we are expected to present the working of the product with 	the 	prime functionality .However we are targeting to finish all the tasks by 	this day .The recommended changes on this day can be made and 	submitted by </a:t>
-            </a:r>
-            <a:r>
-              <a:rPr lang="en-IN" b="1" dirty="0" smtClean="0"/>
-              <a:t>28.02.2020.</a:t>
-            </a:r>
-          </a:p>
-          <a:p>
-            <a:pPr marL="0" indent="0">
-              <a:buNone/>
-            </a:pPr>
-            <a:r>
-              <a:rPr lang="en-IN" b="1" dirty="0"/>
-              <a:t>	</a:t>
-            </a:r>
-          </a:p>
-        </p:txBody>
-      </p:sp>
-      <p:pic>
-        <p:nvPicPr>
-          <p:cNvPr id="5" name="Picture 4"/>
-          <p:cNvPicPr>
-            <a:picLocks noChangeAspect="1"/>
-          </p:cNvPicPr>
-          <p:nvPr/>
-        </p:nvPicPr>
-        <p:blipFill>
-          <a:blip r:embed="rId2" cstate="print">
-            <a:extLst>
-              <a:ext uri="{28A0092B-C50C-407E-A947-70E740481C1C}">
-                <a14:useLocalDpi xmlns:a14="http://schemas.microsoft.com/office/drawing/2010/main" val="0"/>
-              </a:ext>
-            </a:extLst>
-          </a:blip>
-          <a:stretch>
-            <a:fillRect/>
-          </a:stretch>
-        </p:blipFill>
-        <p:spPr>
-          <a:xfrm>
-            <a:off x="11074971" y="5971032"/>
-            <a:ext cx="1010698" cy="740664"/>
-          </a:xfrm>
-          <a:prstGeom prst="rect">
-            <a:avLst/>
-          </a:prstGeom>
-        </p:spPr>
-      </p:pic>
-    </p:spTree>
-    <p:extLst>
-      <p:ext uri="{BB962C8B-B14F-4D97-AF65-F5344CB8AC3E}">
-        <p14:creationId xmlns:p14="http://schemas.microsoft.com/office/powerpoint/2010/main" val="585008555"/>
-      </p:ext>
-    </p:extLst>
-  </p:cSld>
-  <p:clrMapOvr>
-    <a:masterClrMapping/>
-  </p:clrMapOvr>
-  <p:timing>
-    <p:tnLst>
-      <p:par>
-        <p:cTn id="1" dur="indefinite" restart="never" nodeType="tmRoot"/>
-      </p:par>
-    </p:tnLst>
-  </p:timing>
-</p:sld>
-</file>
-
-<file path=ppt/slides/slide11.xml><?xml version="1.0" encoding="utf-8"?>
-<p:sld xmlns:a="http://schemas.openxmlformats.org/drawingml/2006/main" xmlns:r="http://schemas.openxmlformats.org/officeDocument/2006/relationships" xmlns:p="http://schemas.openxmlformats.org/presentationml/2006/main">
-  <p:cSld>
-    <p:spTree>
-      <p:nvGrpSpPr>
-        <p:cNvPr id="1" name=""/>
-        <p:cNvGrpSpPr/>
-        <p:nvPr/>
-      </p:nvGrpSpPr>
-      <p:grpSpPr>
-        <a:xfrm>
-          <a:off x="0" y="0"/>
-          <a:ext cx="0" cy="0"/>
-          <a:chOff x="0" y="0"/>
-          <a:chExt cx="0" cy="0"/>
-        </a:xfrm>
-      </p:grpSpPr>
-      <p:sp>
-        <p:nvSpPr>
-          <p:cNvPr id="2" name="Title 1"/>
-          <p:cNvSpPr>
-            <a:spLocks noGrp="1"/>
-          </p:cNvSpPr>
-          <p:nvPr>
-            <p:ph type="title"/>
-          </p:nvPr>
-        </p:nvSpPr>
-        <p:spPr>
-          <a:xfrm>
-            <a:off x="646111" y="452718"/>
-            <a:ext cx="9404723" cy="864018"/>
-          </a:xfrm>
-        </p:spPr>
-        <p:txBody>
-          <a:bodyPr/>
-          <a:lstStyle/>
-          <a:p>
-            <a:r>
-              <a:rPr lang="en-IN" sz="3600" dirty="0" smtClean="0"/>
-              <a:t>QNA</a:t>
-            </a:r>
-            <a:endParaRPr lang="en-IN" sz="3600" dirty="0"/>
-          </a:p>
-        </p:txBody>
-      </p:sp>
-      <p:sp>
-        <p:nvSpPr>
-          <p:cNvPr id="3" name="Content Placeholder 2"/>
-          <p:cNvSpPr>
-            <a:spLocks noGrp="1"/>
-          </p:cNvSpPr>
-          <p:nvPr>
-            <p:ph idx="1"/>
-          </p:nvPr>
-        </p:nvSpPr>
-        <p:spPr>
-          <a:xfrm>
-            <a:off x="646111" y="1316736"/>
-            <a:ext cx="8946541" cy="4300727"/>
+            <a:off x="573929" y="2381250"/>
+            <a:ext cx="9753837" cy="3695700"/>
           </a:xfrm>
         </p:spPr>
         <p:txBody>
@@ -6533,329 +6424,175 @@
           </a:bodyPr>
           <a:lstStyle/>
           <a:p>
-            <a:pPr marL="0" indent="0">
-              <a:buNone/>
+            <a:pPr marL="342900" indent="-342900">
+              <a:spcBef>
+                <a:spcPts val="0"/>
+              </a:spcBef>
+              <a:buFont typeface="Arial" panose="020B0604020202020204" pitchFamily="34" charset="0"/>
+              <a:buChar char="•"/>
             </a:pPr>
             <a:r>
-              <a:rPr lang="en-IN" sz="4400" b="1" dirty="0" smtClean="0"/>
-              <a:t>QUESTIONS ??</a:t>
-            </a:r>
-          </a:p>
-          <a:p>
-            <a:pPr marL="0" indent="0">
-              <a:buNone/>
+              <a:rPr lang="en-US" dirty="0">
+                <a:solidFill>
+                  <a:schemeClr val="bg1"/>
+                </a:solidFill>
+              </a:rPr>
+              <a:t>We have already demonstrated the wireframing for the UI</a:t>
+            </a:r>
+          </a:p>
+          <a:p>
+            <a:pPr marL="342900" indent="-342900">
+              <a:spcBef>
+                <a:spcPts val="0"/>
+              </a:spcBef>
+              <a:buFont typeface="Arial" panose="020B0604020202020204" pitchFamily="34" charset="0"/>
+              <a:buChar char="•"/>
             </a:pPr>
-            <a:endParaRPr lang="en-IN" sz="4400" b="1" dirty="0"/>
-          </a:p>
-        </p:txBody>
-      </p:sp>
-      <p:pic>
-        <p:nvPicPr>
-          <p:cNvPr id="5" name="Picture 4"/>
-          <p:cNvPicPr>
-            <a:picLocks noChangeAspect="1"/>
-          </p:cNvPicPr>
-          <p:nvPr/>
-        </p:nvPicPr>
-        <p:blipFill>
-          <a:blip r:embed="rId2" cstate="print">
-            <a:extLst>
-              <a:ext uri="{28A0092B-C50C-407E-A947-70E740481C1C}">
-                <a14:useLocalDpi xmlns:a14="http://schemas.microsoft.com/office/drawing/2010/main" val="0"/>
-              </a:ext>
-            </a:extLst>
-          </a:blip>
-          <a:stretch>
-            <a:fillRect/>
-          </a:stretch>
-        </p:blipFill>
-        <p:spPr>
-          <a:xfrm>
-            <a:off x="11074971" y="5971032"/>
-            <a:ext cx="1010698" cy="740664"/>
-          </a:xfrm>
-          <a:prstGeom prst="rect">
-            <a:avLst/>
-          </a:prstGeom>
-        </p:spPr>
-      </p:pic>
-      <p:pic>
-        <p:nvPicPr>
-          <p:cNvPr id="4" name="Picture 3"/>
-          <p:cNvPicPr>
-            <a:picLocks noChangeAspect="1"/>
-          </p:cNvPicPr>
-          <p:nvPr/>
-        </p:nvPicPr>
-        <p:blipFill>
-          <a:blip r:embed="rId3">
-            <a:extLst>
-              <a:ext uri="{28A0092B-C50C-407E-A947-70E740481C1C}">
-                <a14:useLocalDpi xmlns:a14="http://schemas.microsoft.com/office/drawing/2010/main" val="0"/>
-              </a:ext>
-            </a:extLst>
-          </a:blip>
-          <a:stretch>
-            <a:fillRect/>
-          </a:stretch>
-        </p:blipFill>
-        <p:spPr>
-          <a:xfrm>
-            <a:off x="3021104" y="2357413"/>
-            <a:ext cx="5249703" cy="3371033"/>
-          </a:xfrm>
-          <a:prstGeom prst="rect">
-            <a:avLst/>
-          </a:prstGeom>
-        </p:spPr>
-      </p:pic>
-    </p:spTree>
-    <p:extLst>
-      <p:ext uri="{BB962C8B-B14F-4D97-AF65-F5344CB8AC3E}">
-        <p14:creationId xmlns:p14="http://schemas.microsoft.com/office/powerpoint/2010/main" val="711189408"/>
-      </p:ext>
-    </p:extLst>
-  </p:cSld>
-  <p:clrMapOvr>
-    <a:masterClrMapping/>
-  </p:clrMapOvr>
-  <p:timing>
-    <p:tnLst>
-      <p:par>
-        <p:cTn id="1" dur="indefinite" restart="never" nodeType="tmRoot"/>
-      </p:par>
-    </p:tnLst>
-  </p:timing>
-</p:sld>
-</file>
-
-<file path=ppt/slides/slide12.xml><?xml version="1.0" encoding="utf-8"?>
-<p:sld xmlns:a="http://schemas.openxmlformats.org/drawingml/2006/main" xmlns:r="http://schemas.openxmlformats.org/officeDocument/2006/relationships" xmlns:p="http://schemas.openxmlformats.org/presentationml/2006/main">
-  <p:cSld>
-    <p:spTree>
-      <p:nvGrpSpPr>
-        <p:cNvPr id="1" name=""/>
-        <p:cNvGrpSpPr/>
-        <p:nvPr/>
-      </p:nvGrpSpPr>
-      <p:grpSpPr>
-        <a:xfrm>
-          <a:off x="0" y="0"/>
-          <a:ext cx="0" cy="0"/>
-          <a:chOff x="0" y="0"/>
-          <a:chExt cx="0" cy="0"/>
-        </a:xfrm>
-      </p:grpSpPr>
-      <p:sp>
-        <p:nvSpPr>
-          <p:cNvPr id="2" name="Title 1"/>
-          <p:cNvSpPr>
-            <a:spLocks noGrp="1"/>
-          </p:cNvSpPr>
-          <p:nvPr>
-            <p:ph type="title"/>
-          </p:nvPr>
-        </p:nvSpPr>
-        <p:spPr>
-          <a:xfrm>
-            <a:off x="646111" y="452718"/>
-            <a:ext cx="9404723" cy="864018"/>
-          </a:xfrm>
-        </p:spPr>
-        <p:txBody>
-          <a:bodyPr/>
-          <a:lstStyle/>
-          <a:p>
-            <a:endParaRPr lang="en-IN" sz="3600" dirty="0"/>
-          </a:p>
-        </p:txBody>
-      </p:sp>
-      <p:sp>
-        <p:nvSpPr>
-          <p:cNvPr id="3" name="Content Placeholder 2"/>
-          <p:cNvSpPr>
-            <a:spLocks noGrp="1"/>
-          </p:cNvSpPr>
-          <p:nvPr>
-            <p:ph idx="1"/>
-          </p:nvPr>
-        </p:nvSpPr>
-        <p:spPr>
-          <a:xfrm>
-            <a:off x="646111" y="1316736"/>
-            <a:ext cx="8946541" cy="4300727"/>
-          </a:xfrm>
-        </p:spPr>
-        <p:txBody>
-          <a:bodyPr>
-            <a:normAutofit/>
-          </a:bodyPr>
-          <a:lstStyle/>
-          <a:p>
-            <a:pPr marL="1828800" lvl="4" indent="0">
-              <a:buNone/>
+            <a:r>
+              <a:rPr lang="en-US" dirty="0">
+                <a:solidFill>
+                  <a:schemeClr val="bg1"/>
+                </a:solidFill>
+              </a:rPr>
+              <a:t>We have  the prototyping done  for our </a:t>
+            </a:r>
+            <a:r>
+              <a:rPr lang="en-US" dirty="0" err="1">
+                <a:solidFill>
+                  <a:schemeClr val="bg1"/>
+                </a:solidFill>
+              </a:rPr>
+              <a:t>uI</a:t>
+            </a:r>
+            <a:r>
+              <a:rPr lang="en-US" dirty="0">
+                <a:solidFill>
+                  <a:schemeClr val="bg1"/>
+                </a:solidFill>
+              </a:rPr>
+              <a:t>.</a:t>
+            </a:r>
+          </a:p>
+          <a:p>
+            <a:pPr marL="342900" indent="-342900">
+              <a:spcBef>
+                <a:spcPts val="0"/>
+              </a:spcBef>
+              <a:buFont typeface="Arial" panose="020B0604020202020204" pitchFamily="34" charset="0"/>
+              <a:buChar char="•"/>
             </a:pPr>
             <a:r>
-              <a:rPr lang="en-IN" sz="8800" dirty="0" smtClean="0"/>
-              <a:t>Thankyou !!</a:t>
-            </a:r>
-            <a:endParaRPr lang="en-IN" sz="8800" dirty="0"/>
-          </a:p>
-        </p:txBody>
-      </p:sp>
-      <p:pic>
-        <p:nvPicPr>
-          <p:cNvPr id="5" name="Picture 4"/>
-          <p:cNvPicPr>
-            <a:picLocks noChangeAspect="1"/>
-          </p:cNvPicPr>
-          <p:nvPr/>
-        </p:nvPicPr>
-        <p:blipFill>
-          <a:blip r:embed="rId2" cstate="print">
-            <a:extLst>
-              <a:ext uri="{28A0092B-C50C-407E-A947-70E740481C1C}">
-                <a14:useLocalDpi xmlns:a14="http://schemas.microsoft.com/office/drawing/2010/main" val="0"/>
-              </a:ext>
-            </a:extLst>
-          </a:blip>
-          <a:stretch>
-            <a:fillRect/>
-          </a:stretch>
-        </p:blipFill>
-        <p:spPr>
-          <a:xfrm>
-            <a:off x="11074971" y="5971032"/>
-            <a:ext cx="1010698" cy="740664"/>
-          </a:xfrm>
-          <a:prstGeom prst="rect">
-            <a:avLst/>
-          </a:prstGeom>
-        </p:spPr>
-      </p:pic>
-    </p:spTree>
-    <p:extLst>
-      <p:ext uri="{BB962C8B-B14F-4D97-AF65-F5344CB8AC3E}">
-        <p14:creationId xmlns:p14="http://schemas.microsoft.com/office/powerpoint/2010/main" val="469087338"/>
-      </p:ext>
-    </p:extLst>
-  </p:cSld>
-  <p:clrMapOvr>
-    <a:masterClrMapping/>
-  </p:clrMapOvr>
-  <p:timing>
-    <p:tnLst>
-      <p:par>
-        <p:cTn id="1" dur="indefinite" restart="never" nodeType="tmRoot"/>
-      </p:par>
-    </p:tnLst>
-  </p:timing>
-</p:sld>
-</file>
-
-<file path=ppt/slides/slide2.xml><?xml version="1.0" encoding="utf-8"?>
-<p:sld xmlns:a="http://schemas.openxmlformats.org/drawingml/2006/main" xmlns:r="http://schemas.openxmlformats.org/officeDocument/2006/relationships" xmlns:p="http://schemas.openxmlformats.org/presentationml/2006/main">
-  <p:cSld>
-    <p:spTree>
-      <p:nvGrpSpPr>
-        <p:cNvPr id="1" name=""/>
-        <p:cNvGrpSpPr/>
-        <p:nvPr/>
-      </p:nvGrpSpPr>
-      <p:grpSpPr>
-        <a:xfrm>
-          <a:off x="0" y="0"/>
-          <a:ext cx="0" cy="0"/>
-          <a:chOff x="0" y="0"/>
-          <a:chExt cx="0" cy="0"/>
-        </a:xfrm>
-      </p:grpSpPr>
-      <p:sp>
-        <p:nvSpPr>
-          <p:cNvPr id="2" name="Title 1"/>
-          <p:cNvSpPr>
-            <a:spLocks noGrp="1"/>
-          </p:cNvSpPr>
-          <p:nvPr>
-            <p:ph type="title"/>
-          </p:nvPr>
-        </p:nvSpPr>
-        <p:spPr/>
-        <p:txBody>
-          <a:bodyPr/>
-          <a:lstStyle/>
-          <a:p>
-            <a:r>
-              <a:rPr lang="en-IN" dirty="0" smtClean="0"/>
-              <a:t>Content :</a:t>
-            </a:r>
-            <a:endParaRPr lang="en-IN" dirty="0"/>
-          </a:p>
-        </p:txBody>
-      </p:sp>
-      <p:sp>
-        <p:nvSpPr>
-          <p:cNvPr id="3" name="Content Placeholder 2"/>
-          <p:cNvSpPr>
-            <a:spLocks noGrp="1"/>
-          </p:cNvSpPr>
-          <p:nvPr>
-            <p:ph idx="1"/>
-          </p:nvPr>
-        </p:nvSpPr>
-        <p:spPr>
-          <a:xfrm>
-            <a:off x="646111" y="1421982"/>
-            <a:ext cx="8946541" cy="4195481"/>
-          </a:xfrm>
-        </p:spPr>
-        <p:txBody>
-          <a:bodyPr/>
-          <a:lstStyle/>
-          <a:p>
-            <a:r>
-              <a:rPr lang="en-IN" dirty="0" smtClean="0"/>
-              <a:t>Introduction of Topic</a:t>
-            </a:r>
-          </a:p>
-          <a:p>
-            <a:r>
-              <a:rPr lang="en-IN" dirty="0" smtClean="0"/>
-              <a:t>Our objectives</a:t>
-            </a:r>
-          </a:p>
-          <a:p>
-            <a:r>
-              <a:rPr lang="en-IN" dirty="0" smtClean="0"/>
-              <a:t>Glimpse of our project (UX </a:t>
-            </a:r>
-            <a:r>
-              <a:rPr lang="en-IN" dirty="0" err="1" smtClean="0"/>
-              <a:t>design+Git</a:t>
-            </a:r>
-            <a:r>
-              <a:rPr lang="en-IN" dirty="0" smtClean="0"/>
-              <a:t>)</a:t>
-            </a:r>
-          </a:p>
-          <a:p>
-            <a:r>
-              <a:rPr lang="en-IN" dirty="0" smtClean="0"/>
-              <a:t>Milestones</a:t>
-            </a:r>
-          </a:p>
-          <a:p>
-            <a:r>
-              <a:rPr lang="en-IN" dirty="0" smtClean="0"/>
-              <a:t>Timeline</a:t>
-            </a:r>
-          </a:p>
-          <a:p>
-            <a:r>
-              <a:rPr lang="en-IN" dirty="0" smtClean="0"/>
-              <a:t>QNA</a:t>
-            </a:r>
-            <a:endParaRPr lang="en-IN" dirty="0"/>
+              <a:rPr lang="en-US" dirty="0">
+                <a:solidFill>
+                  <a:schemeClr val="bg1"/>
+                </a:solidFill>
+              </a:rPr>
+              <a:t>The Developmental phases have already been discussed (following agile methodologies)</a:t>
+            </a:r>
+          </a:p>
+          <a:p>
+            <a:pPr marL="342900" indent="-342900">
+              <a:spcBef>
+                <a:spcPts val="0"/>
+              </a:spcBef>
+              <a:buFont typeface="Arial" panose="020B0604020202020204" pitchFamily="34" charset="0"/>
+              <a:buChar char="•"/>
+            </a:pPr>
+            <a:r>
+              <a:rPr lang="en-US" dirty="0">
+                <a:solidFill>
+                  <a:schemeClr val="bg1"/>
+                </a:solidFill>
+              </a:rPr>
+              <a:t>GitHub  project setup already done .</a:t>
+            </a:r>
+          </a:p>
+          <a:p>
+            <a:pPr marL="342900" indent="-342900">
+              <a:spcBef>
+                <a:spcPts val="0"/>
+              </a:spcBef>
+              <a:buFont typeface="Arial" panose="020B0604020202020204" pitchFamily="34" charset="0"/>
+              <a:buChar char="•"/>
+            </a:pPr>
+            <a:r>
+              <a:rPr lang="en-US" dirty="0">
+                <a:solidFill>
+                  <a:schemeClr val="bg1"/>
+                </a:solidFill>
+              </a:rPr>
+              <a:t>We have discussed about  the  technologies which will be using for the development. </a:t>
+            </a:r>
+          </a:p>
+          <a:p>
+            <a:pPr marL="342900" indent="-342900">
+              <a:spcBef>
+                <a:spcPts val="0"/>
+              </a:spcBef>
+              <a:buFont typeface="Arial" panose="020B0604020202020204" pitchFamily="34" charset="0"/>
+              <a:buChar char="•"/>
+            </a:pPr>
+            <a:endParaRPr lang="en-US" dirty="0">
+              <a:solidFill>
+                <a:schemeClr val="bg1"/>
+              </a:solidFill>
+            </a:endParaRPr>
+          </a:p>
+          <a:p>
+            <a:pPr marL="342900" indent="-342900">
+              <a:spcBef>
+                <a:spcPts val="0"/>
+              </a:spcBef>
+              <a:buFont typeface="Arial" panose="020B0604020202020204" pitchFamily="34" charset="0"/>
+              <a:buChar char="•"/>
+            </a:pPr>
+            <a:endParaRPr lang="en-US" dirty="0">
+              <a:solidFill>
+                <a:schemeClr val="bg1"/>
+              </a:solidFill>
+            </a:endParaRPr>
+          </a:p>
+          <a:p>
+            <a:pPr marL="342900" indent="-342900">
+              <a:spcBef>
+                <a:spcPts val="0"/>
+              </a:spcBef>
+              <a:buFont typeface="Arial" panose="020B0604020202020204" pitchFamily="34" charset="0"/>
+              <a:buChar char="•"/>
+            </a:pPr>
+            <a:endParaRPr lang="en-US" dirty="0">
+              <a:solidFill>
+                <a:schemeClr val="bg1"/>
+              </a:solidFill>
+            </a:endParaRPr>
+          </a:p>
+          <a:p>
+            <a:pPr marL="342900" indent="-342900">
+              <a:spcBef>
+                <a:spcPts val="0"/>
+              </a:spcBef>
+              <a:buFont typeface="Arial" panose="020B0604020202020204" pitchFamily="34" charset="0"/>
+              <a:buChar char="•"/>
+            </a:pPr>
+            <a:endParaRPr lang="en-US" dirty="0">
+              <a:solidFill>
+                <a:schemeClr val="bg1"/>
+              </a:solidFill>
+            </a:endParaRPr>
+          </a:p>
+          <a:p>
+            <a:pPr marL="342900" indent="-342900">
+              <a:spcBef>
+                <a:spcPts val="0"/>
+              </a:spcBef>
+              <a:buFont typeface="Arial" panose="020B0604020202020204" pitchFamily="34" charset="0"/>
+              <a:buChar char="•"/>
+            </a:pPr>
+            <a:endParaRPr lang="en-IN" dirty="0">
+              <a:solidFill>
+                <a:schemeClr val="bg1"/>
+              </a:solidFill>
+            </a:endParaRPr>
           </a:p>
         </p:txBody>
       </p:sp>
@@ -6889,29 +6626,65 @@
           </a:prstGeom>
         </p:spPr>
       </p:pic>
+      <p:pic>
+        <p:nvPicPr>
+          <p:cNvPr id="5" name="Picture 4"/>
+          <p:cNvPicPr>
+            <a:picLocks noChangeAspect="1"/>
+          </p:cNvPicPr>
+          <p:nvPr/>
+        </p:nvPicPr>
+        <p:blipFill>
+          <a:blip r:embed="rId3">
+            <a:extLst>
+              <a:ext uri="{28A0092B-C50C-407E-A947-70E740481C1C}">
+                <a14:useLocalDpi xmlns:a14="http://schemas.microsoft.com/office/drawing/2010/main" val="0"/>
+              </a:ext>
+            </a:extLst>
+          </a:blip>
+          <a:stretch>
+            <a:fillRect/>
+          </a:stretch>
+        </p:blipFill>
+        <p:spPr>
+          <a:xfrm>
+            <a:off x="10304126" y="5369860"/>
+            <a:ext cx="1780287" cy="502024"/>
+          </a:xfrm>
+          <a:prstGeom prst="rect">
+            <a:avLst/>
+          </a:prstGeom>
+        </p:spPr>
+      </p:pic>
     </p:spTree>
     <p:extLst>
       <p:ext uri="{BB962C8B-B14F-4D97-AF65-F5344CB8AC3E}">
-        <p14:creationId xmlns:p14="http://schemas.microsoft.com/office/powerpoint/2010/main" val="3415482562"/>
+        <p14:creationId xmlns:p14="http://schemas.microsoft.com/office/powerpoint/2010/main" val="1023758402"/>
       </p:ext>
     </p:extLst>
   </p:cSld>
   <p:clrMapOvr>
     <a:masterClrMapping/>
   </p:clrMapOvr>
-  <p:timing>
-    <p:tnLst>
-      <p:par>
-        <p:cTn id="1" dur="indefinite" restart="never" nodeType="tmRoot"/>
-      </p:par>
-    </p:tnLst>
-  </p:timing>
 </p:sld>
 </file>
 
 <file path=ppt/slides/slide3.xml><?xml version="1.0" encoding="utf-8"?>
 <p:sld xmlns:a="http://schemas.openxmlformats.org/drawingml/2006/main" xmlns:r="http://schemas.openxmlformats.org/officeDocument/2006/relationships" xmlns:p="http://schemas.openxmlformats.org/presentationml/2006/main">
   <p:cSld>
+    <p:bg>
+      <p:bgPr>
+        <a:pattFill prst="pct5">
+          <a:fgClr>
+            <a:schemeClr val="accent2"/>
+          </a:fgClr>
+          <a:bgClr>
+            <a:schemeClr val="tx1"/>
+          </a:bgClr>
+        </a:pattFill>
+        <a:effectLst/>
+      </p:bgPr>
+    </p:bg>
     <p:spTree>
       <p:nvGrpSpPr>
         <p:cNvPr id="1" name=""/>
@@ -6933,160 +6706,286 @@
             <a:spLocks noGrp="1"/>
           </p:cNvSpPr>
           <p:nvPr>
-            <p:ph type="title"/>
-          </p:nvPr>
-        </p:nvSpPr>
-        <p:spPr/>
+            <p:ph type="ctrTitle"/>
+          </p:nvPr>
+        </p:nvSpPr>
+        <p:spPr>
+          <a:xfrm>
+            <a:off x="573929" y="0"/>
+            <a:ext cx="10144361" cy="1495425"/>
+          </a:xfrm>
+        </p:spPr>
         <p:txBody>
           <a:bodyPr/>
           <a:lstStyle/>
           <a:p>
             <a:r>
-              <a:rPr lang="en-IN" dirty="0" smtClean="0"/>
-              <a:t>Introduction of Topic</a:t>
-            </a:r>
-            <a:endParaRPr lang="en-IN" dirty="0"/>
-          </a:p>
-        </p:txBody>
-      </p:sp>
-      <p:sp>
-        <p:nvSpPr>
-          <p:cNvPr id="3" name="Content Placeholder 2"/>
-          <p:cNvSpPr>
-            <a:spLocks noGrp="1"/>
-          </p:cNvSpPr>
-          <p:nvPr>
-            <p:ph idx="1"/>
+              <a:rPr lang="en-US" sz="4800" dirty="0">
+                <a:solidFill>
+                  <a:schemeClr val="accent1"/>
+                </a:solidFill>
+              </a:rPr>
+              <a:t>What’s New This Time </a:t>
+            </a:r>
+            <a:endParaRPr lang="en-IN" sz="4800" dirty="0">
+              <a:solidFill>
+                <a:schemeClr val="accent1"/>
+              </a:solidFill>
+            </a:endParaRPr>
+          </a:p>
+        </p:txBody>
+      </p:sp>
+      <p:sp>
+        <p:nvSpPr>
+          <p:cNvPr id="3" name="Subtitle 2"/>
+          <p:cNvSpPr>
+            <a:spLocks noGrp="1"/>
+          </p:cNvSpPr>
+          <p:nvPr>
+            <p:ph type="subTitle" idx="1"/>
           </p:nvPr>
         </p:nvSpPr>
         <p:spPr>
           <a:xfrm>
-            <a:off x="646111" y="1421982"/>
-            <a:ext cx="8946541" cy="4195481"/>
+            <a:off x="573929" y="2381250"/>
+            <a:ext cx="9753837" cy="3695700"/>
           </a:xfrm>
         </p:spPr>
         <p:txBody>
-          <a:bodyPr/>
+          <a:bodyPr>
+            <a:normAutofit/>
+          </a:bodyPr>
           <a:lstStyle/>
           <a:p>
-            <a:r>
-              <a:rPr lang="en-IN" sz="2400" dirty="0" smtClean="0"/>
-              <a:t>What is a PWA ? </a:t>
-            </a:r>
-          </a:p>
-          <a:p>
-            <a:pPr marL="0" indent="0">
-              <a:buNone/>
-            </a:pPr>
-            <a:endParaRPr lang="en-IN" dirty="0"/>
-          </a:p>
-          <a:p>
-            <a:pPr marL="0" indent="0">
-              <a:buNone/>
-            </a:pPr>
-            <a:r>
-              <a:rPr lang="en-US" dirty="0"/>
-              <a:t>They are basically web applications (Website) </a:t>
-            </a:r>
-            <a:r>
-              <a:rPr lang="en-US" dirty="0" smtClean="0"/>
-              <a:t>but </a:t>
-            </a:r>
-            <a:r>
-              <a:rPr lang="en-US" dirty="0"/>
-              <a:t>have look and feel like other native </a:t>
-            </a:r>
-            <a:r>
-              <a:rPr lang="en-US" dirty="0" smtClean="0"/>
-              <a:t>mobile </a:t>
-            </a:r>
-            <a:r>
-              <a:rPr lang="en-US" dirty="0"/>
-              <a:t>apps. The progressive web app enabled websites can offer functionalities such as working offline, push notifications, and device hardware access</a:t>
-            </a:r>
-            <a:r>
-              <a:rPr lang="en-US" dirty="0" smtClean="0"/>
-              <a:t>.</a:t>
-            </a:r>
-            <a:br>
-              <a:rPr lang="en-US" dirty="0" smtClean="0"/>
-            </a:br>
-            <a:endParaRPr lang="en-US" dirty="0" smtClean="0"/>
-          </a:p>
-          <a:p>
-            <a:pPr marL="0" indent="0">
+            <a:pPr marL="342900" indent="-342900">
               <a:spcBef>
                 <a:spcPts val="0"/>
               </a:spcBef>
-              <a:buNone/>
+              <a:buFont typeface="Arial" panose="020B0604020202020204" pitchFamily="34" charset="0"/>
+              <a:buChar char="•"/>
             </a:pPr>
             <a:r>
-              <a:rPr lang="en-IN" dirty="0" smtClean="0"/>
-              <a:t>Various advantages of using PWA includes </a:t>
-            </a:r>
-            <a:r>
-              <a:rPr lang="en-US" dirty="0"/>
-              <a:t> </a:t>
-            </a:r>
-            <a:r>
-              <a:rPr lang="en-US" dirty="0" smtClean="0"/>
-              <a:t>its interactive</a:t>
-            </a:r>
-          </a:p>
-          <a:p>
-            <a:pPr marL="0" indent="0">
+              <a:rPr lang="en-US" dirty="0">
+                <a:solidFill>
+                  <a:schemeClr val="bg1"/>
+                </a:solidFill>
+              </a:rPr>
+              <a:t>We are almost(90%) done with ui  development part (mostly done in html5, CSS, JavaScript). </a:t>
+            </a:r>
+          </a:p>
+          <a:p>
+            <a:pPr marL="342900" indent="-342900">
               <a:spcBef>
                 <a:spcPts val="0"/>
               </a:spcBef>
-              <a:buNone/>
+              <a:buFont typeface="Arial" panose="020B0604020202020204" pitchFamily="34" charset="0"/>
+              <a:buChar char="•"/>
             </a:pPr>
             <a:r>
-              <a:rPr lang="en-US" dirty="0" smtClean="0"/>
-              <a:t>features like Progressive ,</a:t>
-            </a:r>
-            <a:r>
-              <a:rPr lang="en-US" dirty="0"/>
-              <a:t>Responsive ,Load Time ,App-like ,</a:t>
-            </a:r>
-            <a:r>
-              <a:rPr lang="en-US" dirty="0" smtClean="0"/>
-              <a:t>Fresh,</a:t>
-            </a:r>
-          </a:p>
-          <a:p>
-            <a:pPr marL="0" indent="0">
+              <a:rPr lang="en-US" dirty="0">
+                <a:solidFill>
+                  <a:schemeClr val="bg1"/>
+                </a:solidFill>
+              </a:rPr>
+              <a:t>We are using   firebase as our hosting server.</a:t>
+            </a:r>
+          </a:p>
+          <a:p>
+            <a:pPr marL="342900" indent="-342900">
               <a:spcBef>
                 <a:spcPts val="0"/>
               </a:spcBef>
-              <a:buNone/>
+              <a:buFont typeface="Arial" panose="020B0604020202020204" pitchFamily="34" charset="0"/>
+              <a:buChar char="•"/>
             </a:pPr>
             <a:r>
-              <a:rPr lang="en-US" dirty="0" smtClean="0"/>
-              <a:t>Safe </a:t>
-            </a:r>
-            <a:r>
-              <a:rPr lang="en-US" dirty="0"/>
-              <a:t>,Engaging </a:t>
-            </a:r>
-            <a:r>
-              <a:rPr lang="en-US" dirty="0" smtClean="0"/>
-              <a:t>,Installable </a:t>
-            </a:r>
-            <a:r>
-              <a:rPr lang="en-US" dirty="0"/>
-              <a:t>,</a:t>
-            </a:r>
-            <a:r>
-              <a:rPr lang="en-US" dirty="0" smtClean="0"/>
-              <a:t>Linkable.</a:t>
-            </a:r>
-            <a:endParaRPr lang="en-IN" dirty="0"/>
+              <a:rPr lang="en-US" dirty="0">
+                <a:solidFill>
+                  <a:schemeClr val="bg1"/>
+                </a:solidFill>
+              </a:rPr>
+              <a:t>We  have eventually targeted jplayer as our media streaming player for our web application. </a:t>
+            </a:r>
+          </a:p>
+          <a:p>
+            <a:pPr marL="342900" indent="-342900">
+              <a:spcBef>
+                <a:spcPts val="0"/>
+              </a:spcBef>
+              <a:buFont typeface="Arial" panose="020B0604020202020204" pitchFamily="34" charset="0"/>
+              <a:buChar char="•"/>
+            </a:pPr>
+            <a:r>
+              <a:rPr lang="en-US" dirty="0">
+                <a:solidFill>
+                  <a:schemeClr val="bg1"/>
+                </a:solidFill>
+              </a:rPr>
+              <a:t>The potential web application is a responsive  web application . </a:t>
+            </a:r>
+          </a:p>
+          <a:p>
+            <a:pPr marL="342900" indent="-342900">
+              <a:spcBef>
+                <a:spcPts val="0"/>
+              </a:spcBef>
+              <a:buFont typeface="Arial" panose="020B0604020202020204" pitchFamily="34" charset="0"/>
+              <a:buChar char="•"/>
+            </a:pPr>
+            <a:r>
+              <a:rPr lang="en-US" dirty="0">
+                <a:solidFill>
+                  <a:schemeClr val="bg1"/>
+                </a:solidFill>
+              </a:rPr>
+              <a:t>We have parallelly doing the  the testing  for the web application across multiple browsers (Firefox, chrome etc.) </a:t>
+            </a:r>
+          </a:p>
+          <a:p>
+            <a:pPr marL="342900" indent="-342900">
+              <a:spcBef>
+                <a:spcPts val="0"/>
+              </a:spcBef>
+              <a:buFont typeface="Arial" panose="020B0604020202020204" pitchFamily="34" charset="0"/>
+              <a:buChar char="•"/>
+            </a:pPr>
+            <a:endParaRPr lang="en-US" dirty="0">
+              <a:solidFill>
+                <a:schemeClr val="bg1"/>
+              </a:solidFill>
+            </a:endParaRPr>
+          </a:p>
+          <a:p>
+            <a:pPr marL="342900" indent="-342900">
+              <a:spcBef>
+                <a:spcPts val="0"/>
+              </a:spcBef>
+              <a:buFont typeface="Arial" panose="020B0604020202020204" pitchFamily="34" charset="0"/>
+              <a:buChar char="•"/>
+            </a:pPr>
+            <a:endParaRPr lang="en-US" dirty="0">
+              <a:solidFill>
+                <a:schemeClr val="bg1"/>
+              </a:solidFill>
+            </a:endParaRPr>
+          </a:p>
+          <a:p>
+            <a:pPr marL="342900" indent="-342900">
+              <a:spcBef>
+                <a:spcPts val="0"/>
+              </a:spcBef>
+              <a:buFont typeface="Arial" panose="020B0604020202020204" pitchFamily="34" charset="0"/>
+              <a:buChar char="•"/>
+            </a:pPr>
+            <a:endParaRPr lang="en-US" dirty="0">
+              <a:solidFill>
+                <a:schemeClr val="bg1"/>
+              </a:solidFill>
+            </a:endParaRPr>
+          </a:p>
+          <a:p>
+            <a:pPr marL="342900" indent="-342900">
+              <a:spcBef>
+                <a:spcPts val="0"/>
+              </a:spcBef>
+              <a:buFont typeface="Arial" panose="020B0604020202020204" pitchFamily="34" charset="0"/>
+              <a:buChar char="•"/>
+            </a:pPr>
+            <a:endParaRPr lang="en-US" dirty="0">
+              <a:solidFill>
+                <a:schemeClr val="bg1"/>
+              </a:solidFill>
+            </a:endParaRPr>
+          </a:p>
+          <a:p>
+            <a:pPr marL="342900" indent="-342900">
+              <a:spcBef>
+                <a:spcPts val="0"/>
+              </a:spcBef>
+              <a:buFont typeface="Arial" panose="020B0604020202020204" pitchFamily="34" charset="0"/>
+              <a:buChar char="•"/>
+            </a:pPr>
+            <a:endParaRPr lang="en-US" dirty="0">
+              <a:solidFill>
+                <a:schemeClr val="bg1"/>
+              </a:solidFill>
+            </a:endParaRPr>
+          </a:p>
+          <a:p>
+            <a:pPr marL="342900" indent="-342900">
+              <a:spcBef>
+                <a:spcPts val="0"/>
+              </a:spcBef>
+              <a:buFont typeface="Arial" panose="020B0604020202020204" pitchFamily="34" charset="0"/>
+              <a:buChar char="•"/>
+            </a:pPr>
+            <a:endParaRPr lang="en-US" dirty="0">
+              <a:solidFill>
+                <a:schemeClr val="bg1"/>
+              </a:solidFill>
+            </a:endParaRPr>
+          </a:p>
+          <a:p>
+            <a:pPr marL="342900" indent="-342900">
+              <a:spcBef>
+                <a:spcPts val="0"/>
+              </a:spcBef>
+              <a:buFont typeface="Arial" panose="020B0604020202020204" pitchFamily="34" charset="0"/>
+              <a:buChar char="•"/>
+            </a:pPr>
+            <a:endParaRPr lang="en-US" dirty="0">
+              <a:solidFill>
+                <a:schemeClr val="bg1"/>
+              </a:solidFill>
+            </a:endParaRPr>
+          </a:p>
+          <a:p>
+            <a:pPr marL="342900" indent="-342900">
+              <a:spcBef>
+                <a:spcPts val="0"/>
+              </a:spcBef>
+              <a:buFont typeface="Arial" panose="020B0604020202020204" pitchFamily="34" charset="0"/>
+              <a:buChar char="•"/>
+            </a:pPr>
+            <a:endParaRPr lang="en-US" dirty="0">
+              <a:solidFill>
+                <a:schemeClr val="bg1"/>
+              </a:solidFill>
+            </a:endParaRPr>
+          </a:p>
+          <a:p>
+            <a:pPr marL="342900" indent="-342900">
+              <a:spcBef>
+                <a:spcPts val="0"/>
+              </a:spcBef>
+              <a:buFont typeface="Arial" panose="020B0604020202020204" pitchFamily="34" charset="0"/>
+              <a:buChar char="•"/>
+            </a:pPr>
+            <a:endParaRPr lang="en-US" dirty="0">
+              <a:solidFill>
+                <a:schemeClr val="bg1"/>
+              </a:solidFill>
+            </a:endParaRPr>
+          </a:p>
+          <a:p>
+            <a:pPr marL="342900" indent="-342900">
+              <a:spcBef>
+                <a:spcPts val="0"/>
+              </a:spcBef>
+              <a:buFont typeface="Arial" panose="020B0604020202020204" pitchFamily="34" charset="0"/>
+              <a:buChar char="•"/>
+            </a:pPr>
+            <a:endParaRPr lang="en-IN" dirty="0">
+              <a:solidFill>
+                <a:schemeClr val="bg1"/>
+              </a:solidFill>
+            </a:endParaRPr>
           </a:p>
         </p:txBody>
       </p:sp>
       <p:pic>
         <p:nvPicPr>
-          <p:cNvPr id="5" name="Picture 4"/>
+          <p:cNvPr id="4" name="Picture 3"/>
           <p:cNvPicPr>
             <a:picLocks noChangeAspect="1"/>
           </p:cNvPicPr>
@@ -7116,7 +7015,7 @@
       </p:pic>
       <p:pic>
         <p:nvPicPr>
-          <p:cNvPr id="6" name="Picture 5"/>
+          <p:cNvPr id="5" name="Picture 4"/>
           <p:cNvPicPr>
             <a:picLocks noChangeAspect="1"/>
           </p:cNvPicPr>
@@ -7136,8 +7035,8 @@
         </p:blipFill>
         <p:spPr>
           <a:xfrm>
-            <a:off x="8437625" y="2946502"/>
-            <a:ext cx="3443134" cy="2302154"/>
+            <a:off x="10304126" y="5369860"/>
+            <a:ext cx="1780287" cy="502024"/>
           </a:xfrm>
           <a:prstGeom prst="rect">
             <a:avLst/>
@@ -7147,1024 +7046,13 @@
     </p:spTree>
     <p:extLst>
       <p:ext uri="{BB962C8B-B14F-4D97-AF65-F5344CB8AC3E}">
-        <p14:creationId xmlns:p14="http://schemas.microsoft.com/office/powerpoint/2010/main" val="269353417"/>
+        <p14:creationId xmlns:p14="http://schemas.microsoft.com/office/powerpoint/2010/main" val="3096132694"/>
       </p:ext>
     </p:extLst>
   </p:cSld>
   <p:clrMapOvr>
     <a:masterClrMapping/>
   </p:clrMapOvr>
-  <p:timing>
-    <p:tnLst>
-      <p:par>
-        <p:cTn id="1" dur="indefinite" restart="never" nodeType="tmRoot"/>
-      </p:par>
-    </p:tnLst>
-  </p:timing>
-</p:sld>
-</file>
-
-<file path=ppt/slides/slide4.xml><?xml version="1.0" encoding="utf-8"?>
-<p:sld xmlns:a="http://schemas.openxmlformats.org/drawingml/2006/main" xmlns:r="http://schemas.openxmlformats.org/officeDocument/2006/relationships" xmlns:p="http://schemas.openxmlformats.org/presentationml/2006/main">
-  <p:cSld>
-    <p:spTree>
-      <p:nvGrpSpPr>
-        <p:cNvPr id="1" name=""/>
-        <p:cNvGrpSpPr/>
-        <p:nvPr/>
-      </p:nvGrpSpPr>
-      <p:grpSpPr>
-        <a:xfrm>
-          <a:off x="0" y="0"/>
-          <a:ext cx="0" cy="0"/>
-          <a:chOff x="0" y="0"/>
-          <a:chExt cx="0" cy="0"/>
-        </a:xfrm>
-      </p:grpSpPr>
-      <p:sp>
-        <p:nvSpPr>
-          <p:cNvPr id="2" name="Title 1"/>
-          <p:cNvSpPr>
-            <a:spLocks noGrp="1"/>
-          </p:cNvSpPr>
-          <p:nvPr>
-            <p:ph type="title"/>
-          </p:nvPr>
-        </p:nvSpPr>
-        <p:spPr/>
-        <p:txBody>
-          <a:bodyPr/>
-          <a:lstStyle/>
-          <a:p>
-            <a:r>
-              <a:rPr lang="en-IN" dirty="0" smtClean="0"/>
-              <a:t>Our Objectives</a:t>
-            </a:r>
-            <a:endParaRPr lang="en-IN" dirty="0"/>
-          </a:p>
-        </p:txBody>
-      </p:sp>
-      <p:sp>
-        <p:nvSpPr>
-          <p:cNvPr id="3" name="Content Placeholder 2"/>
-          <p:cNvSpPr>
-            <a:spLocks noGrp="1"/>
-          </p:cNvSpPr>
-          <p:nvPr>
-            <p:ph idx="1"/>
-          </p:nvPr>
-        </p:nvSpPr>
-        <p:spPr>
-          <a:xfrm>
-            <a:off x="646111" y="1421982"/>
-            <a:ext cx="8946541" cy="4195481"/>
-          </a:xfrm>
-        </p:spPr>
-        <p:txBody>
-          <a:bodyPr>
-            <a:normAutofit fontScale="85000" lnSpcReduction="10000"/>
-          </a:bodyPr>
-          <a:lstStyle/>
-          <a:p>
-            <a:r>
-              <a:rPr lang="en-IN" dirty="0" smtClean="0"/>
-              <a:t>To Develop </a:t>
-            </a:r>
-            <a:r>
-              <a:rPr lang="en-IN" dirty="0"/>
-              <a:t>an interoperable PWA for media playback, which includes a catalogue and media player </a:t>
-            </a:r>
-            <a:r>
-              <a:rPr lang="en-IN" dirty="0" smtClean="0"/>
-              <a:t>.</a:t>
-            </a:r>
-            <a:br>
-              <a:rPr lang="en-IN" dirty="0" smtClean="0"/>
-            </a:br>
-            <a:endParaRPr lang="en-IN" dirty="0" smtClean="0"/>
-          </a:p>
-          <a:p>
-            <a:r>
-              <a:rPr lang="en-IN" dirty="0" smtClean="0"/>
-              <a:t>To develop download and offline playback functionality for adaptive streams.</a:t>
-            </a:r>
-          </a:p>
-          <a:p>
-            <a:pPr marL="0" indent="0">
-              <a:buNone/>
-            </a:pPr>
-            <a:endParaRPr lang="en-IN" dirty="0" smtClean="0"/>
-          </a:p>
-          <a:p>
-            <a:r>
-              <a:rPr lang="en-IN" dirty="0" smtClean="0"/>
-              <a:t>To develop the downloading functionalities for media streams </a:t>
-            </a:r>
-          </a:p>
-          <a:p>
-            <a:pPr marL="0" indent="0">
-              <a:buNone/>
-            </a:pPr>
-            <a:r>
-              <a:rPr lang="en-IN" dirty="0" smtClean="0"/>
-              <a:t>     present in the website.</a:t>
-            </a:r>
-          </a:p>
-          <a:p>
-            <a:r>
-              <a:rPr lang="en-IN" dirty="0" smtClean="0"/>
-              <a:t>Test </a:t>
-            </a:r>
-            <a:r>
-              <a:rPr lang="en-IN" dirty="0"/>
-              <a:t>in different browsers and </a:t>
-            </a:r>
-            <a:r>
-              <a:rPr lang="en-IN" dirty="0" smtClean="0"/>
-              <a:t>devices and PWA should work </a:t>
-            </a:r>
-          </a:p>
-          <a:p>
-            <a:pPr marL="0" indent="0">
-              <a:buNone/>
-            </a:pPr>
-            <a:r>
-              <a:rPr lang="en-IN" dirty="0" smtClean="0"/>
-              <a:t>     well in all the environments.</a:t>
-            </a:r>
-          </a:p>
-          <a:p>
-            <a:pPr marL="0" indent="0">
-              <a:buNone/>
-            </a:pPr>
-            <a:endParaRPr lang="en-IN" dirty="0" smtClean="0"/>
-          </a:p>
-          <a:p>
-            <a:pPr>
-              <a:spcBef>
-                <a:spcPts val="0"/>
-              </a:spcBef>
-            </a:pPr>
-            <a:r>
-              <a:rPr lang="en-IN" dirty="0" smtClean="0"/>
-              <a:t>Perform scalability test for the final product in order to test </a:t>
-            </a:r>
-          </a:p>
-          <a:p>
-            <a:pPr marL="0" indent="0">
-              <a:spcBef>
-                <a:spcPts val="0"/>
-              </a:spcBef>
-              <a:buNone/>
-            </a:pPr>
-            <a:r>
-              <a:rPr lang="en-IN" dirty="0"/>
-              <a:t> </a:t>
-            </a:r>
-            <a:r>
-              <a:rPr lang="en-IN" dirty="0" smtClean="0"/>
-              <a:t>    the ability of the application </a:t>
-            </a:r>
-            <a:r>
-              <a:rPr lang="en-US" dirty="0"/>
-              <a:t>to scale up or scale down the </a:t>
-            </a:r>
-            <a:endParaRPr lang="en-US" dirty="0" smtClean="0"/>
-          </a:p>
-          <a:p>
-            <a:pPr marL="0" indent="0">
-              <a:spcBef>
-                <a:spcPts val="0"/>
-              </a:spcBef>
-              <a:buNone/>
-            </a:pPr>
-            <a:r>
-              <a:rPr lang="en-US" dirty="0" smtClean="0"/>
-              <a:t>     number </a:t>
-            </a:r>
-            <a:r>
-              <a:rPr lang="en-US" dirty="0"/>
-              <a:t>of user requests or other such performance measure </a:t>
-            </a:r>
-            <a:r>
-              <a:rPr lang="en-US" dirty="0" smtClean="0"/>
-              <a:t>attributes.</a:t>
-            </a:r>
-            <a:endParaRPr lang="en-IN" dirty="0"/>
-          </a:p>
-        </p:txBody>
-      </p:sp>
-      <p:pic>
-        <p:nvPicPr>
-          <p:cNvPr id="4" name="Picture 3"/>
-          <p:cNvPicPr>
-            <a:picLocks noChangeAspect="1"/>
-          </p:cNvPicPr>
-          <p:nvPr/>
-        </p:nvPicPr>
-        <p:blipFill>
-          <a:blip r:embed="rId2" cstate="print">
-            <a:extLst>
-              <a:ext uri="{28A0092B-C50C-407E-A947-70E740481C1C}">
-                <a14:useLocalDpi xmlns:a14="http://schemas.microsoft.com/office/drawing/2010/main" val="0"/>
-              </a:ext>
-            </a:extLst>
-          </a:blip>
-          <a:stretch>
-            <a:fillRect/>
-          </a:stretch>
-        </p:blipFill>
-        <p:spPr>
-          <a:xfrm>
-            <a:off x="8139295" y="2735669"/>
-            <a:ext cx="3823077" cy="2153322"/>
-          </a:xfrm>
-          <a:prstGeom prst="rect">
-            <a:avLst/>
-          </a:prstGeom>
-        </p:spPr>
-      </p:pic>
-      <p:pic>
-        <p:nvPicPr>
-          <p:cNvPr id="5" name="Picture 4"/>
-          <p:cNvPicPr>
-            <a:picLocks noChangeAspect="1"/>
-          </p:cNvPicPr>
-          <p:nvPr/>
-        </p:nvPicPr>
-        <p:blipFill>
-          <a:blip r:embed="rId3" cstate="print">
-            <a:extLst>
-              <a:ext uri="{28A0092B-C50C-407E-A947-70E740481C1C}">
-                <a14:useLocalDpi xmlns:a14="http://schemas.microsoft.com/office/drawing/2010/main" val="0"/>
-              </a:ext>
-            </a:extLst>
-          </a:blip>
-          <a:stretch>
-            <a:fillRect/>
-          </a:stretch>
-        </p:blipFill>
-        <p:spPr>
-          <a:xfrm>
-            <a:off x="11074971" y="5971032"/>
-            <a:ext cx="1010698" cy="740664"/>
-          </a:xfrm>
-          <a:prstGeom prst="rect">
-            <a:avLst/>
-          </a:prstGeom>
-        </p:spPr>
-      </p:pic>
-    </p:spTree>
-    <p:extLst>
-      <p:ext uri="{BB962C8B-B14F-4D97-AF65-F5344CB8AC3E}">
-        <p14:creationId xmlns:p14="http://schemas.microsoft.com/office/powerpoint/2010/main" val="2972807452"/>
-      </p:ext>
-    </p:extLst>
-  </p:cSld>
-  <p:clrMapOvr>
-    <a:masterClrMapping/>
-  </p:clrMapOvr>
-  <p:timing>
-    <p:tnLst>
-      <p:par>
-        <p:cTn id="1" dur="indefinite" restart="never" nodeType="tmRoot"/>
-      </p:par>
-    </p:tnLst>
-  </p:timing>
-</p:sld>
-</file>
-
-<file path=ppt/slides/slide5.xml><?xml version="1.0" encoding="utf-8"?>
-<p:sld xmlns:a="http://schemas.openxmlformats.org/drawingml/2006/main" xmlns:r="http://schemas.openxmlformats.org/officeDocument/2006/relationships" xmlns:p="http://schemas.openxmlformats.org/presentationml/2006/main">
-  <p:cSld>
-    <p:spTree>
-      <p:nvGrpSpPr>
-        <p:cNvPr id="1" name=""/>
-        <p:cNvGrpSpPr/>
-        <p:nvPr/>
-      </p:nvGrpSpPr>
-      <p:grpSpPr>
-        <a:xfrm>
-          <a:off x="0" y="0"/>
-          <a:ext cx="0" cy="0"/>
-          <a:chOff x="0" y="0"/>
-          <a:chExt cx="0" cy="0"/>
-        </a:xfrm>
-      </p:grpSpPr>
-      <p:sp>
-        <p:nvSpPr>
-          <p:cNvPr id="2" name="Title 1"/>
-          <p:cNvSpPr>
-            <a:spLocks noGrp="1"/>
-          </p:cNvSpPr>
-          <p:nvPr>
-            <p:ph type="title"/>
-          </p:nvPr>
-        </p:nvSpPr>
-        <p:spPr>
-          <a:xfrm>
-            <a:off x="646111" y="452718"/>
-            <a:ext cx="9404723" cy="864018"/>
-          </a:xfrm>
-        </p:spPr>
-        <p:txBody>
-          <a:bodyPr/>
-          <a:lstStyle/>
-          <a:p>
-            <a:r>
-              <a:rPr lang="en-IN" sz="3600" dirty="0" smtClean="0"/>
-              <a:t>Glimpse of our project (Wire framing)</a:t>
-            </a:r>
-            <a:endParaRPr lang="en-IN" sz="3600" dirty="0"/>
-          </a:p>
-        </p:txBody>
-      </p:sp>
-      <p:sp>
-        <p:nvSpPr>
-          <p:cNvPr id="3" name="Content Placeholder 2"/>
-          <p:cNvSpPr>
-            <a:spLocks noGrp="1"/>
-          </p:cNvSpPr>
-          <p:nvPr>
-            <p:ph idx="1"/>
-          </p:nvPr>
-        </p:nvSpPr>
-        <p:spPr>
-          <a:xfrm>
-            <a:off x="646111" y="1316736"/>
-            <a:ext cx="8946541" cy="4300727"/>
-          </a:xfrm>
-        </p:spPr>
-        <p:txBody>
-          <a:bodyPr>
-            <a:normAutofit/>
-          </a:bodyPr>
-          <a:lstStyle/>
-          <a:p>
-            <a:r>
-              <a:rPr lang="en-IN" dirty="0" smtClean="0"/>
-              <a:t>UX design for some basic components of our applications:</a:t>
-            </a:r>
-          </a:p>
-          <a:p>
-            <a:r>
-              <a:rPr lang="en-IN" dirty="0" smtClean="0"/>
-              <a:t>Index page or the first page :</a:t>
-            </a:r>
-          </a:p>
-          <a:p>
-            <a:endParaRPr lang="en-IN" dirty="0"/>
-          </a:p>
-        </p:txBody>
-      </p:sp>
-      <p:pic>
-        <p:nvPicPr>
-          <p:cNvPr id="5" name="Picture 4"/>
-          <p:cNvPicPr>
-            <a:picLocks noChangeAspect="1"/>
-          </p:cNvPicPr>
-          <p:nvPr/>
-        </p:nvPicPr>
-        <p:blipFill>
-          <a:blip r:embed="rId2" cstate="print">
-            <a:extLst>
-              <a:ext uri="{28A0092B-C50C-407E-A947-70E740481C1C}">
-                <a14:useLocalDpi xmlns:a14="http://schemas.microsoft.com/office/drawing/2010/main" val="0"/>
-              </a:ext>
-            </a:extLst>
-          </a:blip>
-          <a:stretch>
-            <a:fillRect/>
-          </a:stretch>
-        </p:blipFill>
-        <p:spPr>
-          <a:xfrm>
-            <a:off x="11074971" y="5971032"/>
-            <a:ext cx="1010698" cy="740664"/>
-          </a:xfrm>
-          <a:prstGeom prst="rect">
-            <a:avLst/>
-          </a:prstGeom>
-        </p:spPr>
-      </p:pic>
-      <p:pic>
-        <p:nvPicPr>
-          <p:cNvPr id="6" name="Picture 5"/>
-          <p:cNvPicPr>
-            <a:picLocks noChangeAspect="1"/>
-          </p:cNvPicPr>
-          <p:nvPr/>
-        </p:nvPicPr>
-        <p:blipFill>
-          <a:blip r:embed="rId3"/>
-          <a:stretch>
-            <a:fillRect/>
-          </a:stretch>
-        </p:blipFill>
-        <p:spPr>
-          <a:xfrm>
-            <a:off x="2582487" y="2769912"/>
-            <a:ext cx="6400148" cy="3711569"/>
-          </a:xfrm>
-          <a:prstGeom prst="rect">
-            <a:avLst/>
-          </a:prstGeom>
-        </p:spPr>
-      </p:pic>
-    </p:spTree>
-    <p:extLst>
-      <p:ext uri="{BB962C8B-B14F-4D97-AF65-F5344CB8AC3E}">
-        <p14:creationId xmlns:p14="http://schemas.microsoft.com/office/powerpoint/2010/main" val="1354393696"/>
-      </p:ext>
-    </p:extLst>
-  </p:cSld>
-  <p:clrMapOvr>
-    <a:masterClrMapping/>
-  </p:clrMapOvr>
-  <p:timing>
-    <p:tnLst>
-      <p:par>
-        <p:cTn id="1" dur="indefinite" restart="never" nodeType="tmRoot"/>
-      </p:par>
-    </p:tnLst>
-  </p:timing>
-</p:sld>
-</file>
-
-<file path=ppt/slides/slide6.xml><?xml version="1.0" encoding="utf-8"?>
-<p:sld xmlns:a="http://schemas.openxmlformats.org/drawingml/2006/main" xmlns:r="http://schemas.openxmlformats.org/officeDocument/2006/relationships" xmlns:p="http://schemas.openxmlformats.org/presentationml/2006/main">
-  <p:cSld>
-    <p:spTree>
-      <p:nvGrpSpPr>
-        <p:cNvPr id="1" name=""/>
-        <p:cNvGrpSpPr/>
-        <p:nvPr/>
-      </p:nvGrpSpPr>
-      <p:grpSpPr>
-        <a:xfrm>
-          <a:off x="0" y="0"/>
-          <a:ext cx="0" cy="0"/>
-          <a:chOff x="0" y="0"/>
-          <a:chExt cx="0" cy="0"/>
-        </a:xfrm>
-      </p:grpSpPr>
-      <p:sp>
-        <p:nvSpPr>
-          <p:cNvPr id="2" name="Title 1"/>
-          <p:cNvSpPr>
-            <a:spLocks noGrp="1"/>
-          </p:cNvSpPr>
-          <p:nvPr>
-            <p:ph type="title"/>
-          </p:nvPr>
-        </p:nvSpPr>
-        <p:spPr>
-          <a:xfrm>
-            <a:off x="646111" y="452718"/>
-            <a:ext cx="9404723" cy="864018"/>
-          </a:xfrm>
-        </p:spPr>
-        <p:txBody>
-          <a:bodyPr/>
-          <a:lstStyle/>
-          <a:p>
-            <a:r>
-              <a:rPr lang="en-IN" sz="3600" dirty="0" smtClean="0"/>
-              <a:t>Glimpse of our project (Wire framing)</a:t>
-            </a:r>
-            <a:endParaRPr lang="en-IN" sz="3600" dirty="0"/>
-          </a:p>
-        </p:txBody>
-      </p:sp>
-      <p:sp>
-        <p:nvSpPr>
-          <p:cNvPr id="3" name="Content Placeholder 2"/>
-          <p:cNvSpPr>
-            <a:spLocks noGrp="1"/>
-          </p:cNvSpPr>
-          <p:nvPr>
-            <p:ph idx="1"/>
-          </p:nvPr>
-        </p:nvSpPr>
-        <p:spPr>
-          <a:xfrm>
-            <a:off x="646111" y="1316736"/>
-            <a:ext cx="8946541" cy="4300727"/>
-          </a:xfrm>
-        </p:spPr>
-        <p:txBody>
-          <a:bodyPr>
-            <a:normAutofit/>
-          </a:bodyPr>
-          <a:lstStyle/>
-          <a:p>
-            <a:r>
-              <a:rPr lang="en-IN" dirty="0" smtClean="0"/>
-              <a:t>UX design for some basic components of our applications:</a:t>
-            </a:r>
-          </a:p>
-          <a:p>
-            <a:r>
-              <a:rPr lang="en-IN" dirty="0" smtClean="0"/>
-              <a:t>Signup page :</a:t>
-            </a:r>
-          </a:p>
-          <a:p>
-            <a:endParaRPr lang="en-IN" dirty="0"/>
-          </a:p>
-        </p:txBody>
-      </p:sp>
-      <p:pic>
-        <p:nvPicPr>
-          <p:cNvPr id="5" name="Picture 4"/>
-          <p:cNvPicPr>
-            <a:picLocks noChangeAspect="1"/>
-          </p:cNvPicPr>
-          <p:nvPr/>
-        </p:nvPicPr>
-        <p:blipFill>
-          <a:blip r:embed="rId2" cstate="print">
-            <a:extLst>
-              <a:ext uri="{28A0092B-C50C-407E-A947-70E740481C1C}">
-                <a14:useLocalDpi xmlns:a14="http://schemas.microsoft.com/office/drawing/2010/main" val="0"/>
-              </a:ext>
-            </a:extLst>
-          </a:blip>
-          <a:stretch>
-            <a:fillRect/>
-          </a:stretch>
-        </p:blipFill>
-        <p:spPr>
-          <a:xfrm>
-            <a:off x="11074971" y="5971032"/>
-            <a:ext cx="1010698" cy="740664"/>
-          </a:xfrm>
-          <a:prstGeom prst="rect">
-            <a:avLst/>
-          </a:prstGeom>
-        </p:spPr>
-      </p:pic>
-      <p:pic>
-        <p:nvPicPr>
-          <p:cNvPr id="4" name="Picture 3"/>
-          <p:cNvPicPr>
-            <a:picLocks noChangeAspect="1"/>
-          </p:cNvPicPr>
-          <p:nvPr/>
-        </p:nvPicPr>
-        <p:blipFill>
-          <a:blip r:embed="rId3"/>
-          <a:stretch>
-            <a:fillRect/>
-          </a:stretch>
-        </p:blipFill>
-        <p:spPr>
-          <a:xfrm>
-            <a:off x="2078182" y="2336800"/>
-            <a:ext cx="7103410" cy="4144682"/>
-          </a:xfrm>
-          <a:prstGeom prst="rect">
-            <a:avLst/>
-          </a:prstGeom>
-        </p:spPr>
-      </p:pic>
-    </p:spTree>
-    <p:extLst>
-      <p:ext uri="{BB962C8B-B14F-4D97-AF65-F5344CB8AC3E}">
-        <p14:creationId xmlns:p14="http://schemas.microsoft.com/office/powerpoint/2010/main" val="2930259499"/>
-      </p:ext>
-    </p:extLst>
-  </p:cSld>
-  <p:clrMapOvr>
-    <a:masterClrMapping/>
-  </p:clrMapOvr>
-  <p:timing>
-    <p:tnLst>
-      <p:par>
-        <p:cTn id="1" dur="indefinite" restart="never" nodeType="tmRoot"/>
-      </p:par>
-    </p:tnLst>
-  </p:timing>
-</p:sld>
-</file>
-
-<file path=ppt/slides/slide7.xml><?xml version="1.0" encoding="utf-8"?>
-<p:sld xmlns:a="http://schemas.openxmlformats.org/drawingml/2006/main" xmlns:r="http://schemas.openxmlformats.org/officeDocument/2006/relationships" xmlns:p="http://schemas.openxmlformats.org/presentationml/2006/main">
-  <p:cSld>
-    <p:spTree>
-      <p:nvGrpSpPr>
-        <p:cNvPr id="1" name=""/>
-        <p:cNvGrpSpPr/>
-        <p:nvPr/>
-      </p:nvGrpSpPr>
-      <p:grpSpPr>
-        <a:xfrm>
-          <a:off x="0" y="0"/>
-          <a:ext cx="0" cy="0"/>
-          <a:chOff x="0" y="0"/>
-          <a:chExt cx="0" cy="0"/>
-        </a:xfrm>
-      </p:grpSpPr>
-      <p:sp>
-        <p:nvSpPr>
-          <p:cNvPr id="2" name="Title 1"/>
-          <p:cNvSpPr>
-            <a:spLocks noGrp="1"/>
-          </p:cNvSpPr>
-          <p:nvPr>
-            <p:ph type="title"/>
-          </p:nvPr>
-        </p:nvSpPr>
-        <p:spPr>
-          <a:xfrm>
-            <a:off x="646111" y="452718"/>
-            <a:ext cx="9404723" cy="864018"/>
-          </a:xfrm>
-        </p:spPr>
-        <p:txBody>
-          <a:bodyPr/>
-          <a:lstStyle/>
-          <a:p>
-            <a:r>
-              <a:rPr lang="en-IN" sz="3600" dirty="0" smtClean="0"/>
-              <a:t>Glimpse of our project (Wire framing)</a:t>
-            </a:r>
-            <a:endParaRPr lang="en-IN" sz="3600" dirty="0"/>
-          </a:p>
-        </p:txBody>
-      </p:sp>
-      <p:sp>
-        <p:nvSpPr>
-          <p:cNvPr id="3" name="Content Placeholder 2"/>
-          <p:cNvSpPr>
-            <a:spLocks noGrp="1"/>
-          </p:cNvSpPr>
-          <p:nvPr>
-            <p:ph idx="1"/>
-          </p:nvPr>
-        </p:nvSpPr>
-        <p:spPr>
-          <a:xfrm>
-            <a:off x="646111" y="1316736"/>
-            <a:ext cx="8946541" cy="4300727"/>
-          </a:xfrm>
-        </p:spPr>
-        <p:txBody>
-          <a:bodyPr>
-            <a:normAutofit/>
-          </a:bodyPr>
-          <a:lstStyle/>
-          <a:p>
-            <a:r>
-              <a:rPr lang="en-IN" dirty="0" smtClean="0"/>
-              <a:t>UX design for some basic components of our applications:</a:t>
-            </a:r>
-          </a:p>
-          <a:p>
-            <a:r>
-              <a:rPr lang="en-IN" dirty="0" smtClean="0"/>
-              <a:t>Media player with recommendations for user:</a:t>
-            </a:r>
-          </a:p>
-          <a:p>
-            <a:endParaRPr lang="en-IN" dirty="0"/>
-          </a:p>
-        </p:txBody>
-      </p:sp>
-      <p:pic>
-        <p:nvPicPr>
-          <p:cNvPr id="5" name="Picture 4"/>
-          <p:cNvPicPr>
-            <a:picLocks noChangeAspect="1"/>
-          </p:cNvPicPr>
-          <p:nvPr/>
-        </p:nvPicPr>
-        <p:blipFill>
-          <a:blip r:embed="rId2" cstate="print">
-            <a:extLst>
-              <a:ext uri="{28A0092B-C50C-407E-A947-70E740481C1C}">
-                <a14:useLocalDpi xmlns:a14="http://schemas.microsoft.com/office/drawing/2010/main" val="0"/>
-              </a:ext>
-            </a:extLst>
-          </a:blip>
-          <a:stretch>
-            <a:fillRect/>
-          </a:stretch>
-        </p:blipFill>
-        <p:spPr>
-          <a:xfrm>
-            <a:off x="11074971" y="5971032"/>
-            <a:ext cx="1010698" cy="740664"/>
-          </a:xfrm>
-          <a:prstGeom prst="rect">
-            <a:avLst/>
-          </a:prstGeom>
-        </p:spPr>
-      </p:pic>
-      <p:pic>
-        <p:nvPicPr>
-          <p:cNvPr id="6" name="Picture 5"/>
-          <p:cNvPicPr>
-            <a:picLocks noChangeAspect="1"/>
-          </p:cNvPicPr>
-          <p:nvPr/>
-        </p:nvPicPr>
-        <p:blipFill>
-          <a:blip r:embed="rId3"/>
-          <a:stretch>
-            <a:fillRect/>
-          </a:stretch>
-        </p:blipFill>
-        <p:spPr>
-          <a:xfrm>
-            <a:off x="2120517" y="2336100"/>
-            <a:ext cx="7342638" cy="4145381"/>
-          </a:xfrm>
-          <a:prstGeom prst="rect">
-            <a:avLst/>
-          </a:prstGeom>
-        </p:spPr>
-      </p:pic>
-    </p:spTree>
-    <p:extLst>
-      <p:ext uri="{BB962C8B-B14F-4D97-AF65-F5344CB8AC3E}">
-        <p14:creationId xmlns:p14="http://schemas.microsoft.com/office/powerpoint/2010/main" val="3680165819"/>
-      </p:ext>
-    </p:extLst>
-  </p:cSld>
-  <p:clrMapOvr>
-    <a:masterClrMapping/>
-  </p:clrMapOvr>
-  <p:timing>
-    <p:tnLst>
-      <p:par>
-        <p:cTn id="1" dur="indefinite" restart="never" nodeType="tmRoot"/>
-      </p:par>
-    </p:tnLst>
-  </p:timing>
-</p:sld>
-</file>
-
-<file path=ppt/slides/slide8.xml><?xml version="1.0" encoding="utf-8"?>
-<p:sld xmlns:a="http://schemas.openxmlformats.org/drawingml/2006/main" xmlns:r="http://schemas.openxmlformats.org/officeDocument/2006/relationships" xmlns:p="http://schemas.openxmlformats.org/presentationml/2006/main">
-  <p:cSld>
-    <p:spTree>
-      <p:nvGrpSpPr>
-        <p:cNvPr id="1" name=""/>
-        <p:cNvGrpSpPr/>
-        <p:nvPr/>
-      </p:nvGrpSpPr>
-      <p:grpSpPr>
-        <a:xfrm>
-          <a:off x="0" y="0"/>
-          <a:ext cx="0" cy="0"/>
-          <a:chOff x="0" y="0"/>
-          <a:chExt cx="0" cy="0"/>
-        </a:xfrm>
-      </p:grpSpPr>
-      <p:sp>
-        <p:nvSpPr>
-          <p:cNvPr id="2" name="Title 1"/>
-          <p:cNvSpPr>
-            <a:spLocks noGrp="1"/>
-          </p:cNvSpPr>
-          <p:nvPr>
-            <p:ph type="title"/>
-          </p:nvPr>
-        </p:nvSpPr>
-        <p:spPr>
-          <a:xfrm>
-            <a:off x="646111" y="452718"/>
-            <a:ext cx="9404723" cy="864018"/>
-          </a:xfrm>
-        </p:spPr>
-        <p:txBody>
-          <a:bodyPr/>
-          <a:lstStyle/>
-          <a:p>
-            <a:r>
-              <a:rPr lang="en-IN" sz="3600" dirty="0" smtClean="0"/>
-              <a:t>Glimpse of our project (Wire framing)</a:t>
-            </a:r>
-            <a:endParaRPr lang="en-IN" sz="3600" dirty="0"/>
-          </a:p>
-        </p:txBody>
-      </p:sp>
-      <p:sp>
-        <p:nvSpPr>
-          <p:cNvPr id="3" name="Content Placeholder 2"/>
-          <p:cNvSpPr>
-            <a:spLocks noGrp="1"/>
-          </p:cNvSpPr>
-          <p:nvPr>
-            <p:ph idx="1"/>
-          </p:nvPr>
-        </p:nvSpPr>
-        <p:spPr>
-          <a:xfrm>
-            <a:off x="646111" y="1316736"/>
-            <a:ext cx="8946541" cy="4300727"/>
-          </a:xfrm>
-        </p:spPr>
-        <p:txBody>
-          <a:bodyPr>
-            <a:normAutofit/>
-          </a:bodyPr>
-          <a:lstStyle/>
-          <a:p>
-            <a:r>
-              <a:rPr lang="en-IN" dirty="0" smtClean="0"/>
-              <a:t>The progress and various other updates regarding the development of this application can be find at our Git repository :</a:t>
-            </a:r>
-          </a:p>
-          <a:p>
-            <a:r>
-              <a:rPr lang="en-IN" dirty="0">
-                <a:hlinkClick r:id="rId2"/>
-              </a:rPr>
-              <a:t>https://github.com/NautiyalAmit/Medea</a:t>
-            </a:r>
-            <a:r>
-              <a:rPr lang="en-IN" dirty="0" smtClean="0"/>
-              <a:t> </a:t>
-            </a:r>
-          </a:p>
-          <a:p>
-            <a:pPr marL="0" indent="0">
-              <a:buNone/>
-            </a:pPr>
-            <a:endParaRPr lang="en-IN" dirty="0"/>
-          </a:p>
-        </p:txBody>
-      </p:sp>
-      <p:pic>
-        <p:nvPicPr>
-          <p:cNvPr id="5" name="Picture 4"/>
-          <p:cNvPicPr>
-            <a:picLocks noChangeAspect="1"/>
-          </p:cNvPicPr>
-          <p:nvPr/>
-        </p:nvPicPr>
-        <p:blipFill>
-          <a:blip r:embed="rId3" cstate="print">
-            <a:extLst>
-              <a:ext uri="{28A0092B-C50C-407E-A947-70E740481C1C}">
-                <a14:useLocalDpi xmlns:a14="http://schemas.microsoft.com/office/drawing/2010/main" val="0"/>
-              </a:ext>
-            </a:extLst>
-          </a:blip>
-          <a:stretch>
-            <a:fillRect/>
-          </a:stretch>
-        </p:blipFill>
-        <p:spPr>
-          <a:xfrm>
-            <a:off x="11074971" y="5971032"/>
-            <a:ext cx="1010698" cy="740664"/>
-          </a:xfrm>
-          <a:prstGeom prst="rect">
-            <a:avLst/>
-          </a:prstGeom>
-        </p:spPr>
-      </p:pic>
-    </p:spTree>
-    <p:extLst>
-      <p:ext uri="{BB962C8B-B14F-4D97-AF65-F5344CB8AC3E}">
-        <p14:creationId xmlns:p14="http://schemas.microsoft.com/office/powerpoint/2010/main" val="1018354019"/>
-      </p:ext>
-    </p:extLst>
-  </p:cSld>
-  <p:clrMapOvr>
-    <a:masterClrMapping/>
-  </p:clrMapOvr>
-  <p:timing>
-    <p:tnLst>
-      <p:par>
-        <p:cTn id="1" dur="indefinite" restart="never" nodeType="tmRoot"/>
-      </p:par>
-    </p:tnLst>
-  </p:timing>
-</p:sld>
-</file>
-
-<file path=ppt/slides/slide9.xml><?xml version="1.0" encoding="utf-8"?>
-<p:sld xmlns:a="http://schemas.openxmlformats.org/drawingml/2006/main" xmlns:r="http://schemas.openxmlformats.org/officeDocument/2006/relationships" xmlns:p="http://schemas.openxmlformats.org/presentationml/2006/main">
-  <p:cSld>
-    <p:spTree>
-      <p:nvGrpSpPr>
-        <p:cNvPr id="1" name=""/>
-        <p:cNvGrpSpPr/>
-        <p:nvPr/>
-      </p:nvGrpSpPr>
-      <p:grpSpPr>
-        <a:xfrm>
-          <a:off x="0" y="0"/>
-          <a:ext cx="0" cy="0"/>
-          <a:chOff x="0" y="0"/>
-          <a:chExt cx="0" cy="0"/>
-        </a:xfrm>
-      </p:grpSpPr>
-      <p:sp>
-        <p:nvSpPr>
-          <p:cNvPr id="2" name="Title 1"/>
-          <p:cNvSpPr>
-            <a:spLocks noGrp="1"/>
-          </p:cNvSpPr>
-          <p:nvPr>
-            <p:ph type="title"/>
-          </p:nvPr>
-        </p:nvSpPr>
-        <p:spPr>
-          <a:xfrm>
-            <a:off x="646111" y="452718"/>
-            <a:ext cx="9404723" cy="864018"/>
-          </a:xfrm>
-        </p:spPr>
-        <p:txBody>
-          <a:bodyPr/>
-          <a:lstStyle/>
-          <a:p>
-            <a:r>
-              <a:rPr lang="en-IN" sz="3600" dirty="0" smtClean="0"/>
-              <a:t>Milestones</a:t>
-            </a:r>
-            <a:endParaRPr lang="en-IN" sz="3600" dirty="0"/>
-          </a:p>
-        </p:txBody>
-      </p:sp>
-      <p:sp>
-        <p:nvSpPr>
-          <p:cNvPr id="3" name="Content Placeholder 2"/>
-          <p:cNvSpPr>
-            <a:spLocks noGrp="1"/>
-          </p:cNvSpPr>
-          <p:nvPr>
-            <p:ph idx="1"/>
-          </p:nvPr>
-        </p:nvSpPr>
-        <p:spPr>
-          <a:xfrm>
-            <a:off x="646111" y="1316736"/>
-            <a:ext cx="8946541" cy="4300727"/>
-          </a:xfrm>
-        </p:spPr>
-        <p:txBody>
-          <a:bodyPr>
-            <a:normAutofit/>
-          </a:bodyPr>
-          <a:lstStyle/>
-          <a:p>
-            <a:endParaRPr lang="en-IN" dirty="0"/>
-          </a:p>
-        </p:txBody>
-      </p:sp>
-      <p:pic>
-        <p:nvPicPr>
-          <p:cNvPr id="5" name="Picture 4"/>
-          <p:cNvPicPr>
-            <a:picLocks noChangeAspect="1"/>
-          </p:cNvPicPr>
-          <p:nvPr/>
-        </p:nvPicPr>
-        <p:blipFill>
-          <a:blip r:embed="rId2" cstate="print">
-            <a:extLst>
-              <a:ext uri="{28A0092B-C50C-407E-A947-70E740481C1C}">
-                <a14:useLocalDpi xmlns:a14="http://schemas.microsoft.com/office/drawing/2010/main" val="0"/>
-              </a:ext>
-            </a:extLst>
-          </a:blip>
-          <a:stretch>
-            <a:fillRect/>
-          </a:stretch>
-        </p:blipFill>
-        <p:spPr>
-          <a:xfrm>
-            <a:off x="11074971" y="5971032"/>
-            <a:ext cx="1010698" cy="740664"/>
-          </a:xfrm>
-          <a:prstGeom prst="rect">
-            <a:avLst/>
-          </a:prstGeom>
-        </p:spPr>
-      </p:pic>
-    </p:spTree>
-    <p:extLst>
-      <p:ext uri="{BB962C8B-B14F-4D97-AF65-F5344CB8AC3E}">
-        <p14:creationId xmlns:p14="http://schemas.microsoft.com/office/powerpoint/2010/main" val="4095246189"/>
-      </p:ext>
-    </p:extLst>
-  </p:cSld>
-  <p:clrMapOvr>
-    <a:masterClrMapping/>
-  </p:clrMapOvr>
-  <p:timing>
-    <p:tnLst>
-      <p:par>
-        <p:cTn id="1" dur="indefinite" restart="never" nodeType="tmRoot"/>
-      </p:par>
-    </p:tnLst>
-  </p:timing>
 </p:sld>
 </file>
 
